--- a/resources/Presentation_EcoLogia.pptx
+++ b/resources/Presentation_EcoLogia.pptx
@@ -5,7 +5,7 @@
     <p:sldMasterId id="2147483648" r:id="rId1"/>
   </p:sldMasterIdLst>
   <p:notesMasterIdLst>
-    <p:notesMasterId r:id="rId7"/>
+    <p:notesMasterId r:id="rId17"/>
   </p:notesMasterIdLst>
   <p:sldIdLst>
     <p:sldId id="257" r:id="rId2"/>
@@ -13,6 +13,16 @@
     <p:sldId id="259" r:id="rId4"/>
     <p:sldId id="258" r:id="rId5"/>
     <p:sldId id="260" r:id="rId6"/>
+    <p:sldId id="265" r:id="rId7"/>
+    <p:sldId id="266" r:id="rId8"/>
+    <p:sldId id="262" r:id="rId9"/>
+    <p:sldId id="263" r:id="rId10"/>
+    <p:sldId id="264" r:id="rId11"/>
+    <p:sldId id="267" r:id="rId12"/>
+    <p:sldId id="268" r:id="rId13"/>
+    <p:sldId id="269" r:id="rId14"/>
+    <p:sldId id="270" r:id="rId15"/>
+    <p:sldId id="261" r:id="rId16"/>
   </p:sldIdLst>
   <p:sldSz cx="12192000" cy="6858000"/>
   <p:notesSz cx="6858000" cy="9144000"/>
@@ -3976,6 +3986,1233 @@
 </p:sld>
 </file>
 
+<file path=ppt/slides/slide10.xml><?xml version="1.0" encoding="utf-8"?>
+<p:sld xmlns:a="http://schemas.openxmlformats.org/drawingml/2006/main" xmlns:r="http://schemas.openxmlformats.org/officeDocument/2006/relationships" xmlns:p="http://schemas.openxmlformats.org/presentationml/2006/main">
+  <p:cSld>
+    <p:spTree>
+      <p:nvGrpSpPr>
+        <p:cNvPr id="1" name=""/>
+        <p:cNvGrpSpPr/>
+        <p:nvPr/>
+      </p:nvGrpSpPr>
+      <p:grpSpPr>
+        <a:xfrm>
+          <a:off x="0" y="0"/>
+          <a:ext cx="0" cy="0"/>
+          <a:chOff x="0" y="0"/>
+          <a:chExt cx="0" cy="0"/>
+        </a:xfrm>
+      </p:grpSpPr>
+      <p:sp>
+        <p:nvSpPr>
+          <p:cNvPr id="2" name="Title 1">
+            <a:extLst>
+              <a:ext uri="{FF2B5EF4-FFF2-40B4-BE49-F238E27FC236}">
+                <a16:creationId xmlns:a16="http://schemas.microsoft.com/office/drawing/2014/main" id="{302BAE76-43D8-15C0-4E73-AF33C22FE588}"/>
+              </a:ext>
+            </a:extLst>
+          </p:cNvPr>
+          <p:cNvSpPr>
+            <a:spLocks noGrp="1"/>
+          </p:cNvSpPr>
+          <p:nvPr>
+            <p:ph type="title"/>
+          </p:nvPr>
+        </p:nvSpPr>
+        <p:spPr/>
+        <p:txBody>
+          <a:bodyPr/>
+          <a:lstStyle/>
+          <a:p>
+            <a:r>
+              <a:rPr lang="en-US" b="1" dirty="0"/>
+              <a:t>Technical Approach</a:t>
+            </a:r>
+            <a:br>
+              <a:rPr lang="en-US" b="1" dirty="0"/>
+            </a:br>
+            <a:endParaRPr lang="en-US" dirty="0"/>
+          </a:p>
+        </p:txBody>
+      </p:sp>
+      <p:sp>
+        <p:nvSpPr>
+          <p:cNvPr id="3" name="Content Placeholder 2">
+            <a:extLst>
+              <a:ext uri="{FF2B5EF4-FFF2-40B4-BE49-F238E27FC236}">
+                <a16:creationId xmlns:a16="http://schemas.microsoft.com/office/drawing/2014/main" id="{ED628402-A482-B282-B9CC-4944D186FA03}"/>
+              </a:ext>
+            </a:extLst>
+          </p:cNvPr>
+          <p:cNvSpPr>
+            <a:spLocks noGrp="1"/>
+          </p:cNvSpPr>
+          <p:nvPr>
+            <p:ph idx="1"/>
+          </p:nvPr>
+        </p:nvSpPr>
+        <p:spPr/>
+        <p:txBody>
+          <a:bodyPr>
+            <a:normAutofit fontScale="92500" lnSpcReduction="10000"/>
+          </a:bodyPr>
+          <a:lstStyle/>
+          <a:p>
+            <a:r>
+              <a:rPr lang="en-US" dirty="0"/>
+              <a:t>AI Pipeline Diagram (we can design this visually):</a:t>
+            </a:r>
+          </a:p>
+          <a:p>
+            <a:r>
+              <a:rPr lang="en-US" b="1" dirty="0"/>
+              <a:t>Input:</a:t>
+            </a:r>
+            <a:r>
+              <a:rPr lang="en-US" dirty="0"/>
+              <a:t> Raw intercepted audio (noisy, partial)</a:t>
+            </a:r>
+          </a:p>
+          <a:p>
+            <a:r>
+              <a:rPr lang="en-US" b="1" dirty="0"/>
+              <a:t>Preprocessing:</a:t>
+            </a:r>
+            <a:r>
+              <a:rPr lang="en-US" dirty="0"/>
+              <a:t> Noise reduction, segmentation</a:t>
+            </a:r>
+          </a:p>
+          <a:p>
+            <a:r>
+              <a:rPr lang="en-US" b="1" dirty="0"/>
+              <a:t>AI Models:</a:t>
+            </a:r>
+            <a:endParaRPr lang="en-US" dirty="0"/>
+          </a:p>
+          <a:p>
+            <a:pPr lvl="1"/>
+            <a:r>
+              <a:rPr lang="en-US" dirty="0"/>
+              <a:t>Whisper or wav2vec for speech-to-text</a:t>
+            </a:r>
+          </a:p>
+          <a:p>
+            <a:pPr lvl="1"/>
+            <a:r>
+              <a:rPr lang="en-US" dirty="0"/>
+              <a:t>Emotion/speaker recognition model</a:t>
+            </a:r>
+          </a:p>
+          <a:p>
+            <a:pPr lvl="1"/>
+            <a:r>
+              <a:rPr lang="en-US" dirty="0"/>
+              <a:t>Sound classification (CNNs, transformers)</a:t>
+            </a:r>
+          </a:p>
+          <a:p>
+            <a:r>
+              <a:rPr lang="en-US" b="1" dirty="0"/>
+              <a:t>Fusion Layer:</a:t>
+            </a:r>
+            <a:r>
+              <a:rPr lang="en-US" dirty="0"/>
+              <a:t> Correlates linguistic + acoustic + contextual data</a:t>
+            </a:r>
+          </a:p>
+          <a:p>
+            <a:r>
+              <a:rPr lang="en-US" b="1" dirty="0"/>
+              <a:t>LLM Module:</a:t>
+            </a:r>
+            <a:r>
+              <a:rPr lang="en-US" dirty="0"/>
+              <a:t> Generates summarized intelligence</a:t>
+            </a:r>
+          </a:p>
+          <a:p>
+            <a:r>
+              <a:rPr lang="en-US" b="1" dirty="0"/>
+              <a:t>Frontend:</a:t>
+            </a:r>
+            <a:r>
+              <a:rPr lang="en-US" dirty="0"/>
+              <a:t> Visual dashboard for situational awareness</a:t>
+            </a:r>
+          </a:p>
+          <a:p>
+            <a:endParaRPr lang="en-US" dirty="0"/>
+          </a:p>
+        </p:txBody>
+      </p:sp>
+    </p:spTree>
+    <p:extLst>
+      <p:ext uri="{BB962C8B-B14F-4D97-AF65-F5344CB8AC3E}">
+        <p14:creationId xmlns:p14="http://schemas.microsoft.com/office/powerpoint/2010/main" val="3855683136"/>
+      </p:ext>
+    </p:extLst>
+  </p:cSld>
+  <p:clrMapOvr>
+    <a:masterClrMapping/>
+  </p:clrMapOvr>
+</p:sld>
+</file>
+
+<file path=ppt/slides/slide11.xml><?xml version="1.0" encoding="utf-8"?>
+<p:sld xmlns:a="http://schemas.openxmlformats.org/drawingml/2006/main" xmlns:r="http://schemas.openxmlformats.org/officeDocument/2006/relationships" xmlns:p="http://schemas.openxmlformats.org/presentationml/2006/main">
+  <p:cSld>
+    <p:spTree>
+      <p:nvGrpSpPr>
+        <p:cNvPr id="1" name=""/>
+        <p:cNvGrpSpPr/>
+        <p:nvPr/>
+      </p:nvGrpSpPr>
+      <p:grpSpPr>
+        <a:xfrm>
+          <a:off x="0" y="0"/>
+          <a:ext cx="0" cy="0"/>
+          <a:chOff x="0" y="0"/>
+          <a:chExt cx="0" cy="0"/>
+        </a:xfrm>
+      </p:grpSpPr>
+      <p:sp>
+        <p:nvSpPr>
+          <p:cNvPr id="2" name="Title 1">
+            <a:extLst>
+              <a:ext uri="{FF2B5EF4-FFF2-40B4-BE49-F238E27FC236}">
+                <a16:creationId xmlns:a16="http://schemas.microsoft.com/office/drawing/2014/main" id="{35EF1183-6D56-AC9F-E0BD-297583F8C597}"/>
+              </a:ext>
+            </a:extLst>
+          </p:cNvPr>
+          <p:cNvSpPr>
+            <a:spLocks noGrp="1"/>
+          </p:cNvSpPr>
+          <p:nvPr>
+            <p:ph type="title"/>
+          </p:nvPr>
+        </p:nvSpPr>
+        <p:spPr/>
+        <p:txBody>
+          <a:bodyPr/>
+          <a:lstStyle/>
+          <a:p>
+            <a:r>
+              <a:rPr lang="en-US" dirty="0"/>
+              <a:t>Technology Stack</a:t>
+            </a:r>
+          </a:p>
+        </p:txBody>
+      </p:sp>
+      <p:graphicFrame>
+        <p:nvGraphicFramePr>
+          <p:cNvPr id="6" name="Content Placeholder 5">
+            <a:extLst>
+              <a:ext uri="{FF2B5EF4-FFF2-40B4-BE49-F238E27FC236}">
+                <a16:creationId xmlns:a16="http://schemas.microsoft.com/office/drawing/2014/main" id="{A868A417-FDF3-4A1C-E319-8BB132A21323}"/>
+              </a:ext>
+            </a:extLst>
+          </p:cNvPr>
+          <p:cNvGraphicFramePr>
+            <a:graphicFrameLocks noGrp="1"/>
+          </p:cNvGraphicFramePr>
+          <p:nvPr>
+            <p:ph idx="1"/>
+            <p:extLst>
+              <p:ext uri="{D42A27DB-BD31-4B8C-83A1-F6EECF244321}">
+                <p14:modId xmlns:p14="http://schemas.microsoft.com/office/powerpoint/2010/main" val="88077266"/>
+              </p:ext>
+            </p:extLst>
+          </p:nvPr>
+        </p:nvGraphicFramePr>
+        <p:xfrm>
+          <a:off x="838200" y="2721134"/>
+          <a:ext cx="10515600" cy="2560320"/>
+        </p:xfrm>
+        <a:graphic>
+          <a:graphicData uri="http://schemas.openxmlformats.org/drawingml/2006/table">
+            <a:tbl>
+              <a:tblPr>
+                <a:tableStyleId>{5940675A-B579-460E-94D1-54222C63F5DA}</a:tableStyleId>
+              </a:tblPr>
+              <a:tblGrid>
+                <a:gridCol w="5257800">
+                  <a:extLst>
+                    <a:ext uri="{9D8B030D-6E8A-4147-A177-3AD203B41FA5}">
+                      <a16:colId xmlns:a16="http://schemas.microsoft.com/office/drawing/2014/main" val="2624903884"/>
+                    </a:ext>
+                  </a:extLst>
+                </a:gridCol>
+                <a:gridCol w="5257800">
+                  <a:extLst>
+                    <a:ext uri="{9D8B030D-6E8A-4147-A177-3AD203B41FA5}">
+                      <a16:colId xmlns:a16="http://schemas.microsoft.com/office/drawing/2014/main" val="1282142537"/>
+                    </a:ext>
+                  </a:extLst>
+                </a:gridCol>
+              </a:tblGrid>
+              <a:tr h="0">
+                <a:tc>
+                  <a:txBody>
+                    <a:bodyPr/>
+                    <a:lstStyle/>
+                    <a:p>
+                      <a:pPr>
+                        <a:buNone/>
+                      </a:pPr>
+                      <a:r>
+                        <a:rPr lang="en-US" b="1"/>
+                        <a:t>Layer</a:t>
+                      </a:r>
+                    </a:p>
+                  </a:txBody>
+                  <a:tcPr anchor="ctr"/>
+                </a:tc>
+                <a:tc>
+                  <a:txBody>
+                    <a:bodyPr/>
+                    <a:lstStyle/>
+                    <a:p>
+                      <a:pPr>
+                        <a:buNone/>
+                      </a:pPr>
+                      <a:r>
+                        <a:rPr lang="en-US" b="1" dirty="0"/>
+                        <a:t>Tools</a:t>
+                      </a:r>
+                    </a:p>
+                  </a:txBody>
+                  <a:tcPr anchor="ctr"/>
+                </a:tc>
+                <a:extLst>
+                  <a:ext uri="{0D108BD9-81ED-4DB2-BD59-A6C34878D82A}">
+                    <a16:rowId xmlns:a16="http://schemas.microsoft.com/office/drawing/2014/main" val="149262311"/>
+                  </a:ext>
+                </a:extLst>
+              </a:tr>
+              <a:tr h="0">
+                <a:tc>
+                  <a:txBody>
+                    <a:bodyPr/>
+                    <a:lstStyle/>
+                    <a:p>
+                      <a:pPr>
+                        <a:buNone/>
+                      </a:pPr>
+                      <a:r>
+                        <a:rPr lang="en-US"/>
+                        <a:t>Speech Processing</a:t>
+                      </a:r>
+                    </a:p>
+                  </a:txBody>
+                  <a:tcPr anchor="ctr"/>
+                </a:tc>
+                <a:tc>
+                  <a:txBody>
+                    <a:bodyPr/>
+                    <a:lstStyle/>
+                    <a:p>
+                      <a:pPr>
+                        <a:buNone/>
+                      </a:pPr>
+                      <a:r>
+                        <a:rPr lang="en-US"/>
+                        <a:t>Whisper, wav2vec2.0</a:t>
+                      </a:r>
+                    </a:p>
+                  </a:txBody>
+                  <a:tcPr anchor="ctr"/>
+                </a:tc>
+                <a:extLst>
+                  <a:ext uri="{0D108BD9-81ED-4DB2-BD59-A6C34878D82A}">
+                    <a16:rowId xmlns:a16="http://schemas.microsoft.com/office/drawing/2014/main" val="954921298"/>
+                  </a:ext>
+                </a:extLst>
+              </a:tr>
+              <a:tr h="0">
+                <a:tc>
+                  <a:txBody>
+                    <a:bodyPr/>
+                    <a:lstStyle/>
+                    <a:p>
+                      <a:pPr>
+                        <a:buNone/>
+                      </a:pPr>
+                      <a:r>
+                        <a:rPr lang="en-US" dirty="0"/>
+                        <a:t>Emotion / Speaker ID</a:t>
+                      </a:r>
+                    </a:p>
+                  </a:txBody>
+                  <a:tcPr anchor="ctr"/>
+                </a:tc>
+                <a:tc>
+                  <a:txBody>
+                    <a:bodyPr/>
+                    <a:lstStyle/>
+                    <a:p>
+                      <a:pPr>
+                        <a:buNone/>
+                      </a:pPr>
+                      <a:r>
+                        <a:rPr lang="en-US"/>
+                        <a:t>pyAudioAnalysis, transformers</a:t>
+                      </a:r>
+                    </a:p>
+                  </a:txBody>
+                  <a:tcPr anchor="ctr"/>
+                </a:tc>
+                <a:extLst>
+                  <a:ext uri="{0D108BD9-81ED-4DB2-BD59-A6C34878D82A}">
+                    <a16:rowId xmlns:a16="http://schemas.microsoft.com/office/drawing/2014/main" val="1117974665"/>
+                  </a:ext>
+                </a:extLst>
+              </a:tr>
+              <a:tr h="0">
+                <a:tc>
+                  <a:txBody>
+                    <a:bodyPr/>
+                    <a:lstStyle/>
+                    <a:p>
+                      <a:pPr>
+                        <a:buNone/>
+                      </a:pPr>
+                      <a:r>
+                        <a:rPr lang="en-US"/>
+                        <a:t>Background Sound</a:t>
+                      </a:r>
+                    </a:p>
+                  </a:txBody>
+                  <a:tcPr anchor="ctr"/>
+                </a:tc>
+                <a:tc>
+                  <a:txBody>
+                    <a:bodyPr/>
+                    <a:lstStyle/>
+                    <a:p>
+                      <a:pPr>
+                        <a:buNone/>
+                      </a:pPr>
+                      <a:r>
+                        <a:rPr lang="en-US"/>
+                        <a:t>VGGish, YAMNet</a:t>
+                      </a:r>
+                    </a:p>
+                  </a:txBody>
+                  <a:tcPr anchor="ctr"/>
+                </a:tc>
+                <a:extLst>
+                  <a:ext uri="{0D108BD9-81ED-4DB2-BD59-A6C34878D82A}">
+                    <a16:rowId xmlns:a16="http://schemas.microsoft.com/office/drawing/2014/main" val="2879912775"/>
+                  </a:ext>
+                </a:extLst>
+              </a:tr>
+              <a:tr h="0">
+                <a:tc>
+                  <a:txBody>
+                    <a:bodyPr/>
+                    <a:lstStyle/>
+                    <a:p>
+                      <a:pPr>
+                        <a:buNone/>
+                      </a:pPr>
+                      <a:r>
+                        <a:rPr lang="en-US"/>
+                        <a:t>LLM Intelligence</a:t>
+                      </a:r>
+                    </a:p>
+                  </a:txBody>
+                  <a:tcPr anchor="ctr"/>
+                </a:tc>
+                <a:tc>
+                  <a:txBody>
+                    <a:bodyPr/>
+                    <a:lstStyle/>
+                    <a:p>
+                      <a:pPr>
+                        <a:buNone/>
+                      </a:pPr>
+                      <a:r>
+                        <a:rPr lang="en-US"/>
+                        <a:t>GPT / Llama for reasoning</a:t>
+                      </a:r>
+                    </a:p>
+                  </a:txBody>
+                  <a:tcPr anchor="ctr"/>
+                </a:tc>
+                <a:extLst>
+                  <a:ext uri="{0D108BD9-81ED-4DB2-BD59-A6C34878D82A}">
+                    <a16:rowId xmlns:a16="http://schemas.microsoft.com/office/drawing/2014/main" val="3339103243"/>
+                  </a:ext>
+                </a:extLst>
+              </a:tr>
+              <a:tr h="0">
+                <a:tc>
+                  <a:txBody>
+                    <a:bodyPr/>
+                    <a:lstStyle/>
+                    <a:p>
+                      <a:pPr>
+                        <a:buNone/>
+                      </a:pPr>
+                      <a:r>
+                        <a:rPr lang="en-US"/>
+                        <a:t>Visualization</a:t>
+                      </a:r>
+                    </a:p>
+                  </a:txBody>
+                  <a:tcPr anchor="ctr"/>
+                </a:tc>
+                <a:tc>
+                  <a:txBody>
+                    <a:bodyPr/>
+                    <a:lstStyle/>
+                    <a:p>
+                      <a:pPr>
+                        <a:buNone/>
+                      </a:pPr>
+                      <a:r>
+                        <a:rPr lang="en-US"/>
+                        <a:t>Vue.js / Angular frontend</a:t>
+                      </a:r>
+                    </a:p>
+                  </a:txBody>
+                  <a:tcPr anchor="ctr"/>
+                </a:tc>
+                <a:extLst>
+                  <a:ext uri="{0D108BD9-81ED-4DB2-BD59-A6C34878D82A}">
+                    <a16:rowId xmlns:a16="http://schemas.microsoft.com/office/drawing/2014/main" val="1189298772"/>
+                  </a:ext>
+                </a:extLst>
+              </a:tr>
+              <a:tr h="0">
+                <a:tc>
+                  <a:txBody>
+                    <a:bodyPr/>
+                    <a:lstStyle/>
+                    <a:p>
+                      <a:pPr>
+                        <a:buNone/>
+                      </a:pPr>
+                      <a:r>
+                        <a:rPr lang="en-US"/>
+                        <a:t>Backend</a:t>
+                      </a:r>
+                    </a:p>
+                  </a:txBody>
+                  <a:tcPr anchor="ctr"/>
+                </a:tc>
+                <a:tc>
+                  <a:txBody>
+                    <a:bodyPr/>
+                    <a:lstStyle/>
+                    <a:p>
+                      <a:pPr>
+                        <a:buNone/>
+                      </a:pPr>
+                      <a:r>
+                        <a:rPr lang="en-US" dirty="0"/>
+                        <a:t>Python (</a:t>
+                      </a:r>
+                      <a:r>
+                        <a:rPr lang="en-US" dirty="0" err="1"/>
+                        <a:t>FastAPI</a:t>
+                      </a:r>
+                      <a:r>
+                        <a:rPr lang="en-US" dirty="0"/>
+                        <a:t>), Postgres / MongoDB</a:t>
+                      </a:r>
+                    </a:p>
+                  </a:txBody>
+                  <a:tcPr anchor="ctr"/>
+                </a:tc>
+                <a:extLst>
+                  <a:ext uri="{0D108BD9-81ED-4DB2-BD59-A6C34878D82A}">
+                    <a16:rowId xmlns:a16="http://schemas.microsoft.com/office/drawing/2014/main" val="2692939615"/>
+                  </a:ext>
+                </a:extLst>
+              </a:tr>
+            </a:tbl>
+          </a:graphicData>
+        </a:graphic>
+      </p:graphicFrame>
+    </p:spTree>
+    <p:extLst>
+      <p:ext uri="{BB962C8B-B14F-4D97-AF65-F5344CB8AC3E}">
+        <p14:creationId xmlns:p14="http://schemas.microsoft.com/office/powerpoint/2010/main" val="4252135546"/>
+      </p:ext>
+    </p:extLst>
+  </p:cSld>
+  <p:clrMapOvr>
+    <a:masterClrMapping/>
+  </p:clrMapOvr>
+</p:sld>
+</file>
+
+<file path=ppt/slides/slide12.xml><?xml version="1.0" encoding="utf-8"?>
+<p:sld xmlns:a="http://schemas.openxmlformats.org/drawingml/2006/main" xmlns:r="http://schemas.openxmlformats.org/officeDocument/2006/relationships" xmlns:p="http://schemas.openxmlformats.org/presentationml/2006/main">
+  <p:cSld>
+    <p:spTree>
+      <p:nvGrpSpPr>
+        <p:cNvPr id="1" name=""/>
+        <p:cNvGrpSpPr/>
+        <p:nvPr/>
+      </p:nvGrpSpPr>
+      <p:grpSpPr>
+        <a:xfrm>
+          <a:off x="0" y="0"/>
+          <a:ext cx="0" cy="0"/>
+          <a:chOff x="0" y="0"/>
+          <a:chExt cx="0" cy="0"/>
+        </a:xfrm>
+      </p:grpSpPr>
+      <p:sp>
+        <p:nvSpPr>
+          <p:cNvPr id="2" name="Title 1">
+            <a:extLst>
+              <a:ext uri="{FF2B5EF4-FFF2-40B4-BE49-F238E27FC236}">
+                <a16:creationId xmlns:a16="http://schemas.microsoft.com/office/drawing/2014/main" id="{7C903B2B-DD75-C194-A234-394A33EB1405}"/>
+              </a:ext>
+            </a:extLst>
+          </p:cNvPr>
+          <p:cNvSpPr>
+            <a:spLocks noGrp="1"/>
+          </p:cNvSpPr>
+          <p:nvPr>
+            <p:ph type="title"/>
+          </p:nvPr>
+        </p:nvSpPr>
+        <p:spPr/>
+        <p:txBody>
+          <a:bodyPr/>
+          <a:lstStyle/>
+          <a:p>
+            <a:r>
+              <a:rPr lang="en-US" dirty="0"/>
+              <a:t>Deployment &amp; Manufacturing</a:t>
+            </a:r>
+          </a:p>
+        </p:txBody>
+      </p:sp>
+      <p:sp>
+        <p:nvSpPr>
+          <p:cNvPr id="4" name="Rectangle 1">
+            <a:extLst>
+              <a:ext uri="{FF2B5EF4-FFF2-40B4-BE49-F238E27FC236}">
+                <a16:creationId xmlns:a16="http://schemas.microsoft.com/office/drawing/2014/main" id="{5F568328-10C3-84E9-BDDE-80FE65E1446C}"/>
+              </a:ext>
+            </a:extLst>
+          </p:cNvPr>
+          <p:cNvSpPr>
+            <a:spLocks noGrp="1" noChangeArrowheads="1"/>
+          </p:cNvSpPr>
+          <p:nvPr>
+            <p:ph idx="1"/>
+          </p:nvPr>
+        </p:nvSpPr>
+        <p:spPr bwMode="auto">
+          <a:xfrm>
+            <a:off x="838200" y="1690688"/>
+            <a:ext cx="8738354" cy="1200329"/>
+          </a:xfrm>
+          <a:prstGeom prst="rect">
+            <a:avLst/>
+          </a:prstGeom>
+          <a:noFill/>
+          <a:ln>
+            <a:noFill/>
+          </a:ln>
+          <a:effectLst/>
+          <a:extLst>
+            <a:ext uri="{909E8E84-426E-40DD-AFC4-6F175D3DCCD1}">
+              <a14:hiddenFill xmlns:a14="http://schemas.microsoft.com/office/drawing/2010/main">
+                <a:solidFill>
+                  <a:schemeClr val="accent1"/>
+                </a:solidFill>
+              </a14:hiddenFill>
+            </a:ext>
+            <a:ext uri="{91240B29-F687-4F45-9708-019B960494DF}">
+              <a14:hiddenLine xmlns:a14="http://schemas.microsoft.com/office/drawing/2010/main" w="9525">
+                <a:solidFill>
+                  <a:schemeClr val="tx1"/>
+                </a:solidFill>
+                <a:miter lim="800000"/>
+                <a:headEnd/>
+                <a:tailEnd/>
+              </a14:hiddenLine>
+            </a:ext>
+            <a:ext uri="{AF507438-7753-43E0-B8FC-AC1667EBCBE1}">
+              <a14:hiddenEffects xmlns:a14="http://schemas.microsoft.com/office/drawing/2010/main">
+                <a:effectLst>
+                  <a:outerShdw dist="35921" dir="2700000" algn="ctr" rotWithShape="0">
+                    <a:schemeClr val="bg2"/>
+                  </a:outerShdw>
+                </a:effectLst>
+              </a14:hiddenEffects>
+            </a:ext>
+          </a:extLst>
+        </p:spPr>
+        <p:txBody>
+          <a:bodyPr vert="horz" wrap="none" lIns="91440" tIns="45720" rIns="91440" bIns="45720" numCol="1" anchor="ctr" anchorCtr="0" compatLnSpc="1">
+            <a:prstTxWarp prst="textNoShape">
+              <a:avLst/>
+            </a:prstTxWarp>
+            <a:spAutoFit/>
+          </a:bodyPr>
+          <a:lstStyle/>
+          <a:p>
+            <a:pPr marR="0" lvl="0" algn="l" defTabSz="914400" rtl="0" eaLnBrk="0" fontAlgn="base" latinLnBrk="0" hangingPunct="0">
+              <a:lnSpc>
+                <a:spcPct val="100000"/>
+              </a:lnSpc>
+              <a:spcBef>
+                <a:spcPct val="0"/>
+              </a:spcBef>
+              <a:spcAft>
+                <a:spcPct val="0"/>
+              </a:spcAft>
+              <a:buClrTx/>
+              <a:buSzTx/>
+              <a:tabLst/>
+            </a:pPr>
+            <a:r>
+              <a:rPr kumimoji="0" lang="en-US" altLang="en-US" sz="1800" b="0" i="0" u="none" strike="noStrike" cap="none" normalizeH="0" baseline="0" dirty="0">
+                <a:ln>
+                  <a:noFill/>
+                </a:ln>
+                <a:solidFill>
+                  <a:schemeClr val="tx1"/>
+                </a:solidFill>
+                <a:effectLst/>
+                <a:latin typeface="Arial" panose="020B0604020202020204" pitchFamily="34" charset="0"/>
+              </a:rPr>
+              <a:t>Runs on </a:t>
+            </a:r>
+            <a:r>
+              <a:rPr kumimoji="0" lang="en-US" altLang="en-US" sz="1800" b="1" i="0" u="none" strike="noStrike" cap="none" normalizeH="0" baseline="0" dirty="0">
+                <a:ln>
+                  <a:noFill/>
+                </a:ln>
+                <a:solidFill>
+                  <a:schemeClr val="tx1"/>
+                </a:solidFill>
+                <a:effectLst/>
+                <a:latin typeface="Arial" panose="020B0604020202020204" pitchFamily="34" charset="0"/>
+              </a:rPr>
+              <a:t>field-deployable devices</a:t>
+            </a:r>
+            <a:r>
+              <a:rPr kumimoji="0" lang="en-US" altLang="en-US" sz="1800" b="0" i="0" u="none" strike="noStrike" cap="none" normalizeH="0" baseline="0" dirty="0">
+                <a:ln>
+                  <a:noFill/>
+                </a:ln>
+                <a:solidFill>
+                  <a:schemeClr val="tx1"/>
+                </a:solidFill>
+                <a:effectLst/>
+                <a:latin typeface="Arial" panose="020B0604020202020204" pitchFamily="34" charset="0"/>
+              </a:rPr>
+              <a:t> (e.g., Panasonic Toughbook).</a:t>
+            </a:r>
+          </a:p>
+          <a:p>
+            <a:pPr marR="0" lvl="0" algn="l" defTabSz="914400" rtl="0" eaLnBrk="0" fontAlgn="base" latinLnBrk="0" hangingPunct="0">
+              <a:lnSpc>
+                <a:spcPct val="100000"/>
+              </a:lnSpc>
+              <a:spcBef>
+                <a:spcPct val="0"/>
+              </a:spcBef>
+              <a:spcAft>
+                <a:spcPct val="0"/>
+              </a:spcAft>
+              <a:buClrTx/>
+              <a:buSzTx/>
+              <a:tabLst/>
+            </a:pPr>
+            <a:r>
+              <a:rPr kumimoji="0" lang="en-US" altLang="en-US" sz="1800" b="0" i="0" u="none" strike="noStrike" cap="none" normalizeH="0" baseline="0" dirty="0">
+                <a:ln>
+                  <a:noFill/>
+                </a:ln>
+                <a:solidFill>
+                  <a:schemeClr val="tx1"/>
+                </a:solidFill>
+                <a:effectLst/>
+                <a:latin typeface="Arial" panose="020B0604020202020204" pitchFamily="34" charset="0"/>
+              </a:rPr>
+              <a:t>Modular backend for integration into </a:t>
+            </a:r>
+            <a:r>
+              <a:rPr kumimoji="0" lang="en-US" altLang="en-US" sz="1800" b="1" i="0" u="none" strike="noStrike" cap="none" normalizeH="0" baseline="0" dirty="0">
+                <a:ln>
+                  <a:noFill/>
+                </a:ln>
+                <a:solidFill>
+                  <a:schemeClr val="tx1"/>
+                </a:solidFill>
+                <a:effectLst/>
+                <a:latin typeface="Arial" panose="020B0604020202020204" pitchFamily="34" charset="0"/>
+              </a:rPr>
+              <a:t>NATO ISTAR</a:t>
+            </a:r>
+            <a:r>
+              <a:rPr kumimoji="0" lang="en-US" altLang="en-US" sz="1800" b="0" i="0" u="none" strike="noStrike" cap="none" normalizeH="0" baseline="0" dirty="0">
+                <a:ln>
+                  <a:noFill/>
+                </a:ln>
+                <a:solidFill>
+                  <a:schemeClr val="tx1"/>
+                </a:solidFill>
+                <a:effectLst/>
+                <a:latin typeface="Arial" panose="020B0604020202020204" pitchFamily="34" charset="0"/>
+              </a:rPr>
+              <a:t> or civilian emergency systems.</a:t>
+            </a:r>
+          </a:p>
+          <a:p>
+            <a:pPr marR="0" lvl="0" algn="l" defTabSz="914400" rtl="0" eaLnBrk="0" fontAlgn="base" latinLnBrk="0" hangingPunct="0">
+              <a:lnSpc>
+                <a:spcPct val="100000"/>
+              </a:lnSpc>
+              <a:spcBef>
+                <a:spcPct val="0"/>
+              </a:spcBef>
+              <a:spcAft>
+                <a:spcPct val="0"/>
+              </a:spcAft>
+              <a:buClrTx/>
+              <a:buSzTx/>
+              <a:tabLst/>
+            </a:pPr>
+            <a:r>
+              <a:rPr kumimoji="0" lang="en-US" altLang="en-US" sz="1800" b="0" i="0" u="none" strike="noStrike" cap="none" normalizeH="0" baseline="0" dirty="0">
+                <a:ln>
+                  <a:noFill/>
+                </a:ln>
+                <a:solidFill>
+                  <a:schemeClr val="tx1"/>
+                </a:solidFill>
+                <a:effectLst/>
+                <a:latin typeface="Arial" panose="020B0604020202020204" pitchFamily="34" charset="0"/>
+              </a:rPr>
+              <a:t>Scalable cloud / edge architecture.</a:t>
+            </a:r>
+          </a:p>
+          <a:p>
+            <a:pPr marR="0" lvl="0" algn="l" defTabSz="914400" rtl="0" eaLnBrk="0" fontAlgn="base" latinLnBrk="0" hangingPunct="0">
+              <a:lnSpc>
+                <a:spcPct val="100000"/>
+              </a:lnSpc>
+              <a:spcBef>
+                <a:spcPct val="0"/>
+              </a:spcBef>
+              <a:spcAft>
+                <a:spcPct val="0"/>
+              </a:spcAft>
+              <a:buClrTx/>
+              <a:buSzTx/>
+              <a:tabLst/>
+            </a:pPr>
+            <a:r>
+              <a:rPr kumimoji="0" lang="en-US" altLang="en-US" sz="1800" b="0" i="0" u="none" strike="noStrike" cap="none" normalizeH="0" baseline="0" dirty="0">
+                <a:ln>
+                  <a:noFill/>
+                </a:ln>
+                <a:solidFill>
+                  <a:schemeClr val="tx1"/>
+                </a:solidFill>
+                <a:effectLst/>
+                <a:latin typeface="Arial" panose="020B0604020202020204" pitchFamily="34" charset="0"/>
+              </a:rPr>
+              <a:t>Designed for </a:t>
+            </a:r>
+            <a:r>
+              <a:rPr kumimoji="0" lang="en-US" altLang="en-US" sz="1800" b="1" i="0" u="none" strike="noStrike" cap="none" normalizeH="0" baseline="0" dirty="0">
+                <a:ln>
+                  <a:noFill/>
+                </a:ln>
+                <a:solidFill>
+                  <a:schemeClr val="tx1"/>
+                </a:solidFill>
+                <a:effectLst/>
+                <a:latin typeface="Arial" panose="020B0604020202020204" pitchFamily="34" charset="0"/>
+              </a:rPr>
+              <a:t>secure environments (air-gapped or encrypted networks)</a:t>
+            </a:r>
+            <a:r>
+              <a:rPr kumimoji="0" lang="en-US" altLang="en-US" sz="1800" b="0" i="0" u="none" strike="noStrike" cap="none" normalizeH="0" baseline="0" dirty="0">
+                <a:ln>
+                  <a:noFill/>
+                </a:ln>
+                <a:solidFill>
+                  <a:schemeClr val="tx1"/>
+                </a:solidFill>
+                <a:effectLst/>
+                <a:latin typeface="Arial" panose="020B0604020202020204" pitchFamily="34" charset="0"/>
+              </a:rPr>
+              <a:t>.</a:t>
+            </a:r>
+          </a:p>
+        </p:txBody>
+      </p:sp>
+    </p:spTree>
+    <p:extLst>
+      <p:ext uri="{BB962C8B-B14F-4D97-AF65-F5344CB8AC3E}">
+        <p14:creationId xmlns:p14="http://schemas.microsoft.com/office/powerpoint/2010/main" val="1692320266"/>
+      </p:ext>
+    </p:extLst>
+  </p:cSld>
+  <p:clrMapOvr>
+    <a:masterClrMapping/>
+  </p:clrMapOvr>
+</p:sld>
+</file>
+
+<file path=ppt/slides/slide13.xml><?xml version="1.0" encoding="utf-8"?>
+<p:sld xmlns:a="http://schemas.openxmlformats.org/drawingml/2006/main" xmlns:r="http://schemas.openxmlformats.org/officeDocument/2006/relationships" xmlns:p="http://schemas.openxmlformats.org/presentationml/2006/main">
+  <p:cSld>
+    <p:spTree>
+      <p:nvGrpSpPr>
+        <p:cNvPr id="1" name=""/>
+        <p:cNvGrpSpPr/>
+        <p:nvPr/>
+      </p:nvGrpSpPr>
+      <p:grpSpPr>
+        <a:xfrm>
+          <a:off x="0" y="0"/>
+          <a:ext cx="0" cy="0"/>
+          <a:chOff x="0" y="0"/>
+          <a:chExt cx="0" cy="0"/>
+        </a:xfrm>
+      </p:grpSpPr>
+      <p:sp>
+        <p:nvSpPr>
+          <p:cNvPr id="2" name="Title 1">
+            <a:extLst>
+              <a:ext uri="{FF2B5EF4-FFF2-40B4-BE49-F238E27FC236}">
+                <a16:creationId xmlns:a16="http://schemas.microsoft.com/office/drawing/2014/main" id="{80AE3209-A50E-7AAC-5E00-1F0CB518B4B1}"/>
+              </a:ext>
+            </a:extLst>
+          </p:cNvPr>
+          <p:cNvSpPr>
+            <a:spLocks noGrp="1"/>
+          </p:cNvSpPr>
+          <p:nvPr>
+            <p:ph type="title"/>
+          </p:nvPr>
+        </p:nvSpPr>
+        <p:spPr/>
+        <p:txBody>
+          <a:bodyPr/>
+          <a:lstStyle/>
+          <a:p>
+            <a:r>
+              <a:rPr lang="en-US" b="1" dirty="0"/>
+              <a:t>Hackathon Achievements</a:t>
+            </a:r>
+            <a:endParaRPr lang="en-US" dirty="0"/>
+          </a:p>
+        </p:txBody>
+      </p:sp>
+      <p:sp>
+        <p:nvSpPr>
+          <p:cNvPr id="3" name="Content Placeholder 2">
+            <a:extLst>
+              <a:ext uri="{FF2B5EF4-FFF2-40B4-BE49-F238E27FC236}">
+                <a16:creationId xmlns:a16="http://schemas.microsoft.com/office/drawing/2014/main" id="{532D3630-6C30-73C9-120C-4ACE86AB6FAB}"/>
+              </a:ext>
+            </a:extLst>
+          </p:cNvPr>
+          <p:cNvSpPr>
+            <a:spLocks noGrp="1"/>
+          </p:cNvSpPr>
+          <p:nvPr>
+            <p:ph idx="1"/>
+          </p:nvPr>
+        </p:nvSpPr>
+        <p:spPr/>
+        <p:txBody>
+          <a:bodyPr/>
+          <a:lstStyle/>
+          <a:p>
+            <a:r>
+              <a:rPr lang="en-US" dirty="0"/>
+              <a:t>Prototype built integrating Whisper + LLM for multi-layered audio intelligence.</a:t>
+            </a:r>
+          </a:p>
+          <a:p>
+            <a:r>
+              <a:rPr lang="en-US" dirty="0"/>
+              <a:t>Demo scenario: “Commander–troop communication with environmental mismatch (city noise vs claimed coastal location).”</a:t>
+            </a:r>
+          </a:p>
+          <a:p>
+            <a:r>
+              <a:rPr lang="en-US" dirty="0"/>
+              <a:t>Visual concept mock-up + backend logic diagram.</a:t>
+            </a:r>
+          </a:p>
+          <a:p>
+            <a:r>
+              <a:rPr lang="en-US" dirty="0"/>
+              <a:t>Team collaboration on multimodal AI integration.</a:t>
+            </a:r>
+          </a:p>
+          <a:p>
+            <a:endParaRPr lang="en-US" dirty="0"/>
+          </a:p>
+        </p:txBody>
+      </p:sp>
+    </p:spTree>
+    <p:extLst>
+      <p:ext uri="{BB962C8B-B14F-4D97-AF65-F5344CB8AC3E}">
+        <p14:creationId xmlns:p14="http://schemas.microsoft.com/office/powerpoint/2010/main" val="349775131"/>
+      </p:ext>
+    </p:extLst>
+  </p:cSld>
+  <p:clrMapOvr>
+    <a:masterClrMapping/>
+  </p:clrMapOvr>
+</p:sld>
+</file>
+
+<file path=ppt/slides/slide14.xml><?xml version="1.0" encoding="utf-8"?>
+<p:sld xmlns:a="http://schemas.openxmlformats.org/drawingml/2006/main" xmlns:r="http://schemas.openxmlformats.org/officeDocument/2006/relationships" xmlns:p="http://schemas.openxmlformats.org/presentationml/2006/main">
+  <p:cSld>
+    <p:spTree>
+      <p:nvGrpSpPr>
+        <p:cNvPr id="1" name=""/>
+        <p:cNvGrpSpPr/>
+        <p:nvPr/>
+      </p:nvGrpSpPr>
+      <p:grpSpPr>
+        <a:xfrm>
+          <a:off x="0" y="0"/>
+          <a:ext cx="0" cy="0"/>
+          <a:chOff x="0" y="0"/>
+          <a:chExt cx="0" cy="0"/>
+        </a:xfrm>
+      </p:grpSpPr>
+      <p:sp>
+        <p:nvSpPr>
+          <p:cNvPr id="2" name="Title 1">
+            <a:extLst>
+              <a:ext uri="{FF2B5EF4-FFF2-40B4-BE49-F238E27FC236}">
+                <a16:creationId xmlns:a16="http://schemas.microsoft.com/office/drawing/2014/main" id="{BE934833-583F-E87A-4AFC-BA79792EB59B}"/>
+              </a:ext>
+            </a:extLst>
+          </p:cNvPr>
+          <p:cNvSpPr>
+            <a:spLocks noGrp="1"/>
+          </p:cNvSpPr>
+          <p:nvPr>
+            <p:ph type="title"/>
+          </p:nvPr>
+        </p:nvSpPr>
+        <p:spPr/>
+        <p:txBody>
+          <a:bodyPr/>
+          <a:lstStyle/>
+          <a:p>
+            <a:r>
+              <a:rPr lang="en-US" b="1" dirty="0"/>
+              <a:t>Impact &amp; Future Vision</a:t>
+            </a:r>
+            <a:br>
+              <a:rPr lang="en-US" b="1" dirty="0"/>
+            </a:br>
+            <a:endParaRPr lang="en-US" dirty="0"/>
+          </a:p>
+        </p:txBody>
+      </p:sp>
+      <p:sp>
+        <p:nvSpPr>
+          <p:cNvPr id="3" name="Content Placeholder 2">
+            <a:extLst>
+              <a:ext uri="{FF2B5EF4-FFF2-40B4-BE49-F238E27FC236}">
+                <a16:creationId xmlns:a16="http://schemas.microsoft.com/office/drawing/2014/main" id="{30E02CCF-9580-9B84-E95F-DC657B467356}"/>
+              </a:ext>
+            </a:extLst>
+          </p:cNvPr>
+          <p:cNvSpPr>
+            <a:spLocks noGrp="1"/>
+          </p:cNvSpPr>
+          <p:nvPr>
+            <p:ph idx="1"/>
+          </p:nvPr>
+        </p:nvSpPr>
+        <p:spPr/>
+        <p:txBody>
+          <a:bodyPr/>
+          <a:lstStyle/>
+          <a:p>
+            <a:r>
+              <a:rPr lang="en-US" dirty="0"/>
+              <a:t>Enhances NATO OODA (Observe–Orient–Decide–Act) loop.</a:t>
+            </a:r>
+          </a:p>
+          <a:p>
+            <a:r>
+              <a:rPr lang="en-US" dirty="0"/>
+              <a:t>Potential for dual-use: defense, disaster response, intelligence fusion.</a:t>
+            </a:r>
+          </a:p>
+          <a:p>
+            <a:r>
+              <a:rPr lang="en-US" dirty="0"/>
+              <a:t>Next steps: expand dataset, fine-tune models, deploy pilot system.</a:t>
+            </a:r>
+          </a:p>
+          <a:p>
+            <a:endParaRPr lang="en-US" dirty="0"/>
+          </a:p>
+        </p:txBody>
+      </p:sp>
+    </p:spTree>
+    <p:extLst>
+      <p:ext uri="{BB962C8B-B14F-4D97-AF65-F5344CB8AC3E}">
+        <p14:creationId xmlns:p14="http://schemas.microsoft.com/office/powerpoint/2010/main" val="821917897"/>
+      </p:ext>
+    </p:extLst>
+  </p:cSld>
+  <p:clrMapOvr>
+    <a:masterClrMapping/>
+  </p:clrMapOvr>
+</p:sld>
+</file>
+
+<file path=ppt/slides/slide15.xml><?xml version="1.0" encoding="utf-8"?>
+<p:sld xmlns:a="http://schemas.openxmlformats.org/drawingml/2006/main" xmlns:r="http://schemas.openxmlformats.org/officeDocument/2006/relationships" xmlns:p="http://schemas.openxmlformats.org/presentationml/2006/main">
+  <p:cSld>
+    <p:spTree>
+      <p:nvGrpSpPr>
+        <p:cNvPr id="1" name=""/>
+        <p:cNvGrpSpPr/>
+        <p:nvPr/>
+      </p:nvGrpSpPr>
+      <p:grpSpPr>
+        <a:xfrm>
+          <a:off x="0" y="0"/>
+          <a:ext cx="0" cy="0"/>
+          <a:chOff x="0" y="0"/>
+          <a:chExt cx="0" cy="0"/>
+        </a:xfrm>
+      </p:grpSpPr>
+      <p:sp>
+        <p:nvSpPr>
+          <p:cNvPr id="2" name="Title 1">
+            <a:extLst>
+              <a:ext uri="{FF2B5EF4-FFF2-40B4-BE49-F238E27FC236}">
+                <a16:creationId xmlns:a16="http://schemas.microsoft.com/office/drawing/2014/main" id="{5E95058C-1ED9-042D-BB58-569980D5A361}"/>
+              </a:ext>
+            </a:extLst>
+          </p:cNvPr>
+          <p:cNvSpPr>
+            <a:spLocks noGrp="1"/>
+          </p:cNvSpPr>
+          <p:nvPr>
+            <p:ph type="title"/>
+          </p:nvPr>
+        </p:nvSpPr>
+        <p:spPr/>
+        <p:txBody>
+          <a:bodyPr/>
+          <a:lstStyle/>
+          <a:p>
+            <a:r>
+              <a:rPr lang="en-US" dirty="0"/>
+              <a:t>Use Cases	</a:t>
+            </a:r>
+          </a:p>
+        </p:txBody>
+      </p:sp>
+      <p:sp>
+        <p:nvSpPr>
+          <p:cNvPr id="3" name="Content Placeholder 2">
+            <a:extLst>
+              <a:ext uri="{FF2B5EF4-FFF2-40B4-BE49-F238E27FC236}">
+                <a16:creationId xmlns:a16="http://schemas.microsoft.com/office/drawing/2014/main" id="{8B10B2CA-BF84-228E-943B-91CCB13410BE}"/>
+              </a:ext>
+            </a:extLst>
+          </p:cNvPr>
+          <p:cNvSpPr>
+            <a:spLocks noGrp="1"/>
+          </p:cNvSpPr>
+          <p:nvPr>
+            <p:ph idx="1"/>
+          </p:nvPr>
+        </p:nvSpPr>
+        <p:spPr/>
+        <p:txBody>
+          <a:bodyPr/>
+          <a:lstStyle/>
+          <a:p>
+            <a:r>
+              <a:rPr lang="en-US" dirty="0"/>
+              <a:t>911 calls</a:t>
+            </a:r>
+          </a:p>
+        </p:txBody>
+      </p:sp>
+      <p:sp>
+        <p:nvSpPr>
+          <p:cNvPr id="4" name="AutoShape 2">
+            <a:extLst>
+              <a:ext uri="{FF2B5EF4-FFF2-40B4-BE49-F238E27FC236}">
+                <a16:creationId xmlns:a16="http://schemas.microsoft.com/office/drawing/2014/main" id="{807A7554-1174-334D-D07D-9A29A3A541D2}"/>
+              </a:ext>
+            </a:extLst>
+          </p:cNvPr>
+          <p:cNvSpPr>
+            <a:spLocks noChangeAspect="1" noChangeArrowheads="1"/>
+          </p:cNvSpPr>
+          <p:nvPr/>
+        </p:nvSpPr>
+        <p:spPr bwMode="auto">
+          <a:xfrm>
+            <a:off x="5943600" y="3276600"/>
+            <a:ext cx="304800" cy="304800"/>
+          </a:xfrm>
+          <a:prstGeom prst="rect">
+            <a:avLst/>
+          </a:prstGeom>
+          <a:noFill/>
+          <a:extLst>
+            <a:ext uri="{909E8E84-426E-40DD-AFC4-6F175D3DCCD1}">
+              <a14:hiddenFill xmlns:a14="http://schemas.microsoft.com/office/drawing/2010/main">
+                <a:solidFill>
+                  <a:srgbClr val="FFFFFF"/>
+                </a:solidFill>
+              </a14:hiddenFill>
+            </a:ext>
+          </a:extLst>
+        </p:spPr>
+        <p:txBody>
+          <a:bodyPr vert="horz" wrap="square" lIns="91440" tIns="45720" rIns="91440" bIns="45720" numCol="1" anchor="t" anchorCtr="0" compatLnSpc="1">
+            <a:prstTxWarp prst="textNoShape">
+              <a:avLst/>
+            </a:prstTxWarp>
+          </a:bodyPr>
+          <a:lstStyle/>
+          <a:p>
+            <a:endParaRPr lang="en-US"/>
+          </a:p>
+        </p:txBody>
+      </p:sp>
+    </p:spTree>
+    <p:extLst>
+      <p:ext uri="{BB962C8B-B14F-4D97-AF65-F5344CB8AC3E}">
+        <p14:creationId xmlns:p14="http://schemas.microsoft.com/office/powerpoint/2010/main" val="2626574976"/>
+      </p:ext>
+    </p:extLst>
+  </p:cSld>
+  <p:clrMapOvr>
+    <a:masterClrMapping/>
+  </p:clrMapOvr>
+</p:sld>
+</file>
+
 <file path=ppt/slides/slide2.xml><?xml version="1.0" encoding="utf-8"?>
 <p:sld xmlns:a="http://schemas.openxmlformats.org/drawingml/2006/main" xmlns:r="http://schemas.openxmlformats.org/officeDocument/2006/relationships" xmlns:p="http://schemas.openxmlformats.org/presentationml/2006/main">
   <p:cSld>
@@ -4286,7 +5523,7 @@
         <p:spPr>
           <a:xfrm>
             <a:off x="107577" y="0"/>
-            <a:ext cx="11317045" cy="6186309"/>
+            <a:ext cx="11317045" cy="5909310"/>
           </a:xfrm>
           <a:prstGeom prst="rect">
             <a:avLst/>
@@ -4419,23 +5656,12 @@
             </a:r>
           </a:p>
           <a:p>
-            <a:endParaRPr lang="en-US" b="1"/>
-          </a:p>
-          <a:p>
             <a:endParaRPr lang="en-US" b="1" dirty="0"/>
           </a:p>
           <a:p>
             <a:r>
               <a:rPr lang="en-US" dirty="0"/>
-              <a:t>"The intercepted conversation seems to be between a commander and his troop. They </a:t>
-            </a:r>
-            <a:r>
-              <a:rPr lang="en-US" dirty="0" err="1"/>
-              <a:t>claimto</a:t>
-            </a:r>
-            <a:r>
-              <a:rPr lang="en-US" dirty="0"/>
-              <a:t> be located at the coast, however, the background noises suggest they are in a city."</a:t>
+              <a:t>"The intercepted conversation seems to be between a commander and his troop. They claim to be located at the coast, however, the background noises suggest they are in a city."</a:t>
             </a:r>
           </a:p>
         </p:txBody>
@@ -4641,23 +5867,39 @@
           </a:p>
         </p:txBody>
       </p:sp>
-      <p:sp>
-        <p:nvSpPr>
-          <p:cNvPr id="4" name="AutoShape 2">
-            <a:extLst>
-              <a:ext uri="{FF2B5EF4-FFF2-40B4-BE49-F238E27FC236}">
-                <a16:creationId xmlns:a16="http://schemas.microsoft.com/office/drawing/2014/main" id="{28B3EEC7-7B1D-39B1-66F1-F9106B44E848}"/>
-              </a:ext>
-            </a:extLst>
-          </p:cNvPr>
-          <p:cNvSpPr>
-            <a:spLocks noGrp="1" noChangeAspect="1" noChangeArrowheads="1"/>
-          </p:cNvSpPr>
+      <p:pic>
+        <p:nvPicPr>
+          <p:cNvPr id="6" name="Content Placeholder 5">
+            <a:extLst>
+              <a:ext uri="{FF2B5EF4-FFF2-40B4-BE49-F238E27FC236}">
+                <a16:creationId xmlns:a16="http://schemas.microsoft.com/office/drawing/2014/main" id="{64A86D01-ADF6-D804-B826-00A6743F94D0}"/>
+              </a:ext>
+            </a:extLst>
+          </p:cNvPr>
+          <p:cNvPicPr>
+            <a:picLocks noGrp="1" noChangeAspect="1"/>
+          </p:cNvPicPr>
           <p:nvPr>
             <p:ph idx="1"/>
           </p:nvPr>
-        </p:nvSpPr>
+        </p:nvPicPr>
+        <p:blipFill>
+          <a:blip r:embed="rId2">
+            <a:extLst>
+              <a:ext uri="{28A0092B-C50C-407E-A947-70E740481C1C}">
+                <a14:useLocalDpi xmlns:a14="http://schemas.microsoft.com/office/drawing/2010/main" val="0"/>
+              </a:ext>
+            </a:extLst>
+          </a:blip>
+          <a:stretch>
+            <a:fillRect/>
+          </a:stretch>
+        </p:blipFill>
         <p:spPr bwMode="auto">
+          <a:xfrm>
+            <a:off x="1512794" y="685763"/>
+            <a:ext cx="8685455" cy="5790303"/>
+          </a:xfrm>
           <a:prstGeom prst="rect">
             <a:avLst/>
           </a:prstGeom>
@@ -4672,22 +5914,505 @@
             </a:ext>
           </a:extLst>
         </p:spPr>
-        <p:txBody>
-          <a:bodyPr vert="horz" wrap="square" lIns="91440" tIns="45720" rIns="91440" bIns="45720" numCol="1" anchor="t" anchorCtr="0" compatLnSpc="1">
-            <a:prstTxWarp prst="textNoShape">
-              <a:avLst/>
-            </a:prstTxWarp>
-          </a:bodyPr>
-          <a:lstStyle/>
-          <a:p>
-            <a:endParaRPr lang="en-US"/>
-          </a:p>
-        </p:txBody>
-      </p:sp>
+      </p:pic>
     </p:spTree>
     <p:extLst>
       <p:ext uri="{BB962C8B-B14F-4D97-AF65-F5344CB8AC3E}">
         <p14:creationId xmlns:p14="http://schemas.microsoft.com/office/powerpoint/2010/main" val="4062745188"/>
+      </p:ext>
+    </p:extLst>
+  </p:cSld>
+  <p:clrMapOvr>
+    <a:masterClrMapping/>
+  </p:clrMapOvr>
+</p:sld>
+</file>
+
+<file path=ppt/slides/slide6.xml><?xml version="1.0" encoding="utf-8"?>
+<p:sld xmlns:a="http://schemas.openxmlformats.org/drawingml/2006/main" xmlns:r="http://schemas.openxmlformats.org/officeDocument/2006/relationships" xmlns:p="http://schemas.openxmlformats.org/presentationml/2006/main">
+  <p:cSld>
+    <p:spTree>
+      <p:nvGrpSpPr>
+        <p:cNvPr id="1" name=""/>
+        <p:cNvGrpSpPr/>
+        <p:nvPr/>
+      </p:nvGrpSpPr>
+      <p:grpSpPr>
+        <a:xfrm>
+          <a:off x="0" y="0"/>
+          <a:ext cx="0" cy="0"/>
+          <a:chOff x="0" y="0"/>
+          <a:chExt cx="0" cy="0"/>
+        </a:xfrm>
+      </p:grpSpPr>
+      <p:sp>
+        <p:nvSpPr>
+          <p:cNvPr id="2" name="Title 1">
+            <a:extLst>
+              <a:ext uri="{FF2B5EF4-FFF2-40B4-BE49-F238E27FC236}">
+                <a16:creationId xmlns:a16="http://schemas.microsoft.com/office/drawing/2014/main" id="{9DC31E7F-7830-4CF0-647D-B4955712D1BE}"/>
+              </a:ext>
+            </a:extLst>
+          </p:cNvPr>
+          <p:cNvSpPr>
+            <a:spLocks noGrp="1"/>
+          </p:cNvSpPr>
+          <p:nvPr>
+            <p:ph type="title"/>
+          </p:nvPr>
+        </p:nvSpPr>
+        <p:spPr/>
+        <p:txBody>
+          <a:bodyPr/>
+          <a:lstStyle/>
+          <a:p>
+            <a:endParaRPr lang="en-US"/>
+          </a:p>
+        </p:txBody>
+      </p:sp>
+      <p:sp>
+        <p:nvSpPr>
+          <p:cNvPr id="3" name="Content Placeholder 2">
+            <a:extLst>
+              <a:ext uri="{FF2B5EF4-FFF2-40B4-BE49-F238E27FC236}">
+                <a16:creationId xmlns:a16="http://schemas.microsoft.com/office/drawing/2014/main" id="{804F8FCA-C930-031D-D223-689F0EA9574E}"/>
+              </a:ext>
+            </a:extLst>
+          </p:cNvPr>
+          <p:cNvSpPr>
+            <a:spLocks noGrp="1"/>
+          </p:cNvSpPr>
+          <p:nvPr>
+            <p:ph idx="1"/>
+          </p:nvPr>
+        </p:nvSpPr>
+        <p:spPr/>
+        <p:txBody>
+          <a:bodyPr/>
+          <a:lstStyle/>
+          <a:p>
+            <a:endParaRPr lang="en-US"/>
+          </a:p>
+        </p:txBody>
+      </p:sp>
+    </p:spTree>
+    <p:extLst>
+      <p:ext uri="{BB962C8B-B14F-4D97-AF65-F5344CB8AC3E}">
+        <p14:creationId xmlns:p14="http://schemas.microsoft.com/office/powerpoint/2010/main" val="334714189"/>
+      </p:ext>
+    </p:extLst>
+  </p:cSld>
+  <p:clrMapOvr>
+    <a:masterClrMapping/>
+  </p:clrMapOvr>
+</p:sld>
+</file>
+
+<file path=ppt/slides/slide7.xml><?xml version="1.0" encoding="utf-8"?>
+<p:sld xmlns:a="http://schemas.openxmlformats.org/drawingml/2006/main" xmlns:r="http://schemas.openxmlformats.org/officeDocument/2006/relationships" xmlns:p="http://schemas.openxmlformats.org/presentationml/2006/main">
+  <p:cSld>
+    <p:spTree>
+      <p:nvGrpSpPr>
+        <p:cNvPr id="1" name=""/>
+        <p:cNvGrpSpPr/>
+        <p:nvPr/>
+      </p:nvGrpSpPr>
+      <p:grpSpPr>
+        <a:xfrm>
+          <a:off x="0" y="0"/>
+          <a:ext cx="0" cy="0"/>
+          <a:chOff x="0" y="0"/>
+          <a:chExt cx="0" cy="0"/>
+        </a:xfrm>
+      </p:grpSpPr>
+      <p:sp>
+        <p:nvSpPr>
+          <p:cNvPr id="2" name="Title 1">
+            <a:extLst>
+              <a:ext uri="{FF2B5EF4-FFF2-40B4-BE49-F238E27FC236}">
+                <a16:creationId xmlns:a16="http://schemas.microsoft.com/office/drawing/2014/main" id="{E4B2C9C9-1367-5EC5-D57C-A5B7261871C1}"/>
+              </a:ext>
+            </a:extLst>
+          </p:cNvPr>
+          <p:cNvSpPr>
+            <a:spLocks noGrp="1"/>
+          </p:cNvSpPr>
+          <p:nvPr>
+            <p:ph type="ctrTitle"/>
+          </p:nvPr>
+        </p:nvSpPr>
+        <p:spPr/>
+        <p:txBody>
+          <a:bodyPr/>
+          <a:lstStyle/>
+          <a:p>
+            <a:r>
+              <a:rPr lang="en-US" dirty="0" err="1"/>
+              <a:t>EcoLogia</a:t>
+            </a:r>
+            <a:endParaRPr lang="en-US" dirty="0"/>
+          </a:p>
+        </p:txBody>
+      </p:sp>
+      <p:sp>
+        <p:nvSpPr>
+          <p:cNvPr id="3" name="Subtitle 2">
+            <a:extLst>
+              <a:ext uri="{FF2B5EF4-FFF2-40B4-BE49-F238E27FC236}">
+                <a16:creationId xmlns:a16="http://schemas.microsoft.com/office/drawing/2014/main" id="{A968E456-FC97-B6C8-3DA1-81ECED534AB6}"/>
+              </a:ext>
+            </a:extLst>
+          </p:cNvPr>
+          <p:cNvSpPr>
+            <a:spLocks noGrp="1"/>
+          </p:cNvSpPr>
+          <p:nvPr>
+            <p:ph type="subTitle" idx="1"/>
+          </p:nvPr>
+        </p:nvSpPr>
+        <p:spPr>
+          <a:xfrm>
+            <a:off x="1835971" y="660401"/>
+            <a:ext cx="9144000" cy="1655762"/>
+          </a:xfrm>
+        </p:spPr>
+        <p:txBody>
+          <a:bodyPr>
+            <a:normAutofit/>
+          </a:bodyPr>
+          <a:lstStyle/>
+          <a:p>
+            <a:r>
+              <a:rPr lang="en-US" sz="4000" dirty="0"/>
+              <a:t>Turning Audio into Intelligence</a:t>
+            </a:r>
+          </a:p>
+        </p:txBody>
+      </p:sp>
+    </p:spTree>
+    <p:extLst>
+      <p:ext uri="{BB962C8B-B14F-4D97-AF65-F5344CB8AC3E}">
+        <p14:creationId xmlns:p14="http://schemas.microsoft.com/office/powerpoint/2010/main" val="3049324273"/>
+      </p:ext>
+    </p:extLst>
+  </p:cSld>
+  <p:clrMapOvr>
+    <a:masterClrMapping/>
+  </p:clrMapOvr>
+</p:sld>
+</file>
+
+<file path=ppt/slides/slide8.xml><?xml version="1.0" encoding="utf-8"?>
+<p:sld xmlns:a="http://schemas.openxmlformats.org/drawingml/2006/main" xmlns:r="http://schemas.openxmlformats.org/officeDocument/2006/relationships" xmlns:p="http://schemas.openxmlformats.org/presentationml/2006/main">
+  <p:cSld>
+    <p:spTree>
+      <p:nvGrpSpPr>
+        <p:cNvPr id="1" name=""/>
+        <p:cNvGrpSpPr/>
+        <p:nvPr/>
+      </p:nvGrpSpPr>
+      <p:grpSpPr>
+        <a:xfrm>
+          <a:off x="0" y="0"/>
+          <a:ext cx="0" cy="0"/>
+          <a:chOff x="0" y="0"/>
+          <a:chExt cx="0" cy="0"/>
+        </a:xfrm>
+      </p:grpSpPr>
+      <p:sp>
+        <p:nvSpPr>
+          <p:cNvPr id="2" name="Title 1">
+            <a:extLst>
+              <a:ext uri="{FF2B5EF4-FFF2-40B4-BE49-F238E27FC236}">
+                <a16:creationId xmlns:a16="http://schemas.microsoft.com/office/drawing/2014/main" id="{1CBC3B9B-01A0-1FC7-B962-FA84987B6D1E}"/>
+              </a:ext>
+            </a:extLst>
+          </p:cNvPr>
+          <p:cNvSpPr>
+            <a:spLocks noGrp="1"/>
+          </p:cNvSpPr>
+          <p:nvPr>
+            <p:ph type="title"/>
+          </p:nvPr>
+        </p:nvSpPr>
+        <p:spPr/>
+        <p:txBody>
+          <a:bodyPr/>
+          <a:lstStyle/>
+          <a:p>
+            <a:r>
+              <a:rPr lang="en-US" b="1" dirty="0"/>
+              <a:t>The Problem</a:t>
+            </a:r>
+            <a:br>
+              <a:rPr lang="en-US" b="1" dirty="0"/>
+            </a:br>
+            <a:endParaRPr lang="en-US" dirty="0"/>
+          </a:p>
+        </p:txBody>
+      </p:sp>
+      <p:sp>
+        <p:nvSpPr>
+          <p:cNvPr id="3" name="Content Placeholder 2">
+            <a:extLst>
+              <a:ext uri="{FF2B5EF4-FFF2-40B4-BE49-F238E27FC236}">
+                <a16:creationId xmlns:a16="http://schemas.microsoft.com/office/drawing/2014/main" id="{1B84ED11-B831-ABC5-1A86-EE1CF6ACA813}"/>
+              </a:ext>
+            </a:extLst>
+          </p:cNvPr>
+          <p:cNvSpPr>
+            <a:spLocks noGrp="1"/>
+          </p:cNvSpPr>
+          <p:nvPr>
+            <p:ph idx="1"/>
+          </p:nvPr>
+        </p:nvSpPr>
+        <p:spPr/>
+        <p:txBody>
+          <a:bodyPr/>
+          <a:lstStyle/>
+          <a:p>
+            <a:pPr marL="514350" indent="-514350">
+              <a:buFont typeface="+mj-lt"/>
+              <a:buAutoNum type="arabicPeriod"/>
+            </a:pPr>
+            <a:r>
+              <a:rPr lang="en-US" dirty="0"/>
+              <a:t>Intercepted audio is rich but underutilized.</a:t>
+            </a:r>
+          </a:p>
+          <a:p>
+            <a:pPr marL="514350" indent="-514350">
+              <a:buFont typeface="+mj-lt"/>
+              <a:buAutoNum type="arabicPeriod"/>
+            </a:pPr>
+            <a:r>
+              <a:rPr lang="en-US" dirty="0"/>
+              <a:t>Operators face noise, codewords, and incomplete context.</a:t>
+            </a:r>
+          </a:p>
+          <a:p>
+            <a:pPr marL="514350" indent="-514350">
+              <a:buFont typeface="+mj-lt"/>
+              <a:buAutoNum type="arabicPeriod"/>
+            </a:pPr>
+            <a:r>
+              <a:rPr lang="en-US" dirty="0"/>
+              <a:t>Current SIGINT tools focus on </a:t>
+            </a:r>
+            <a:r>
+              <a:rPr lang="en-US" i="1" dirty="0"/>
+              <a:t>what</a:t>
+            </a:r>
+            <a:r>
+              <a:rPr lang="en-US" dirty="0"/>
+              <a:t> is said, not </a:t>
+            </a:r>
+            <a:r>
+              <a:rPr lang="en-US" i="1" dirty="0"/>
+              <a:t>how</a:t>
+            </a:r>
+            <a:r>
+              <a:rPr lang="en-US" dirty="0"/>
+              <a:t> or </a:t>
+            </a:r>
+            <a:r>
+              <a:rPr lang="en-US" i="1" dirty="0"/>
+              <a:t>where</a:t>
+            </a:r>
+            <a:r>
+              <a:rPr lang="en-US" dirty="0"/>
+              <a:t>.</a:t>
+            </a:r>
+          </a:p>
+          <a:p>
+            <a:pPr marL="514350" indent="-514350">
+              <a:buFont typeface="+mj-lt"/>
+              <a:buAutoNum type="arabicPeriod"/>
+            </a:pPr>
+            <a:r>
+              <a:rPr lang="en-US" dirty="0"/>
+              <a:t>Lack of automation slows tactical decision-making in fast-changing environments.</a:t>
+            </a:r>
+          </a:p>
+          <a:p>
+            <a:endParaRPr lang="en-US" dirty="0"/>
+          </a:p>
+        </p:txBody>
+      </p:sp>
+    </p:spTree>
+    <p:extLst>
+      <p:ext uri="{BB962C8B-B14F-4D97-AF65-F5344CB8AC3E}">
+        <p14:creationId xmlns:p14="http://schemas.microsoft.com/office/powerpoint/2010/main" val="871966769"/>
+      </p:ext>
+    </p:extLst>
+  </p:cSld>
+  <p:clrMapOvr>
+    <a:masterClrMapping/>
+  </p:clrMapOvr>
+</p:sld>
+</file>
+
+<file path=ppt/slides/slide9.xml><?xml version="1.0" encoding="utf-8"?>
+<p:sld xmlns:a="http://schemas.openxmlformats.org/drawingml/2006/main" xmlns:r="http://schemas.openxmlformats.org/officeDocument/2006/relationships" xmlns:p="http://schemas.openxmlformats.org/presentationml/2006/main">
+  <p:cSld>
+    <p:spTree>
+      <p:nvGrpSpPr>
+        <p:cNvPr id="1" name=""/>
+        <p:cNvGrpSpPr/>
+        <p:nvPr/>
+      </p:nvGrpSpPr>
+      <p:grpSpPr>
+        <a:xfrm>
+          <a:off x="0" y="0"/>
+          <a:ext cx="0" cy="0"/>
+          <a:chOff x="0" y="0"/>
+          <a:chExt cx="0" cy="0"/>
+        </a:xfrm>
+      </p:grpSpPr>
+      <p:sp>
+        <p:nvSpPr>
+          <p:cNvPr id="2" name="Title 1">
+            <a:extLst>
+              <a:ext uri="{FF2B5EF4-FFF2-40B4-BE49-F238E27FC236}">
+                <a16:creationId xmlns:a16="http://schemas.microsoft.com/office/drawing/2014/main" id="{449438E3-CEC2-EE7E-6265-52C78A544218}"/>
+              </a:ext>
+            </a:extLst>
+          </p:cNvPr>
+          <p:cNvSpPr>
+            <a:spLocks noGrp="1"/>
+          </p:cNvSpPr>
+          <p:nvPr>
+            <p:ph type="title"/>
+          </p:nvPr>
+        </p:nvSpPr>
+        <p:spPr/>
+        <p:txBody>
+          <a:bodyPr/>
+          <a:lstStyle/>
+          <a:p>
+            <a:r>
+              <a:rPr lang="en-US" b="1" dirty="0"/>
+              <a:t>The Solution: </a:t>
+            </a:r>
+            <a:r>
+              <a:rPr lang="en-US" b="1" dirty="0" err="1"/>
+              <a:t>EcoLogia</a:t>
+            </a:r>
+            <a:br>
+              <a:rPr lang="en-US" b="1" dirty="0"/>
+            </a:br>
+            <a:endParaRPr lang="en-US" dirty="0"/>
+          </a:p>
+        </p:txBody>
+      </p:sp>
+      <p:sp>
+        <p:nvSpPr>
+          <p:cNvPr id="3" name="Content Placeholder 2">
+            <a:extLst>
+              <a:ext uri="{FF2B5EF4-FFF2-40B4-BE49-F238E27FC236}">
+                <a16:creationId xmlns:a16="http://schemas.microsoft.com/office/drawing/2014/main" id="{D670676F-E567-6B5E-D70C-25D698BDA7BB}"/>
+              </a:ext>
+            </a:extLst>
+          </p:cNvPr>
+          <p:cNvSpPr>
+            <a:spLocks noGrp="1"/>
+          </p:cNvSpPr>
+          <p:nvPr>
+            <p:ph idx="1"/>
+          </p:nvPr>
+        </p:nvSpPr>
+        <p:spPr/>
+        <p:txBody>
+          <a:bodyPr/>
+          <a:lstStyle/>
+          <a:p>
+            <a:r>
+              <a:rPr lang="en-US" dirty="0" err="1"/>
+              <a:t>EcoLogia</a:t>
+            </a:r>
+            <a:r>
+              <a:rPr lang="en-US" dirty="0"/>
+              <a:t> turns intercepted audio into multi-layered intelligence by:</a:t>
+            </a:r>
+          </a:p>
+          <a:p>
+            <a:pPr marL="0" indent="0">
+              <a:buNone/>
+            </a:pPr>
+            <a:r>
+              <a:rPr lang="en-US" dirty="0"/>
+              <a:t>Extracting </a:t>
+            </a:r>
+            <a:r>
+              <a:rPr lang="en-US" b="1" dirty="0"/>
+              <a:t>speech content, emotion, and hierarchy</a:t>
+            </a:r>
+            <a:r>
+              <a:rPr lang="en-US" dirty="0"/>
+              <a:t> of speakers.</a:t>
+            </a:r>
+          </a:p>
+          <a:p>
+            <a:pPr marL="0" indent="0">
+              <a:buNone/>
+            </a:pPr>
+            <a:r>
+              <a:rPr lang="en-US" dirty="0"/>
+              <a:t>Analyzing </a:t>
+            </a:r>
+            <a:r>
+              <a:rPr lang="en-US" b="1" dirty="0"/>
+              <a:t>background sound</a:t>
+            </a:r>
+            <a:r>
+              <a:rPr lang="en-US" dirty="0"/>
+              <a:t> (environment, vehicle, stress cues).</a:t>
+            </a:r>
+          </a:p>
+          <a:p>
+            <a:pPr marL="0" indent="0">
+              <a:buNone/>
+            </a:pPr>
+            <a:r>
+              <a:rPr lang="en-US" dirty="0"/>
+              <a:t>Merging audio with </a:t>
+            </a:r>
+            <a:r>
+              <a:rPr lang="en-US" b="1" dirty="0"/>
+              <a:t>contextual data</a:t>
+            </a:r>
+            <a:r>
+              <a:rPr lang="en-US" dirty="0"/>
+              <a:t> (weather, location, mission metadata).</a:t>
+            </a:r>
+          </a:p>
+          <a:p>
+            <a:pPr marL="0" indent="0">
+              <a:buNone/>
+            </a:pPr>
+            <a:r>
+              <a:rPr lang="en-US" dirty="0"/>
+              <a:t>Producing an </a:t>
+            </a:r>
+            <a:r>
+              <a:rPr lang="en-US" b="1" dirty="0"/>
+              <a:t>executive summary</a:t>
+            </a:r>
+            <a:r>
+              <a:rPr lang="en-US" dirty="0"/>
+              <a:t> for operators and analysts.</a:t>
+            </a:r>
+          </a:p>
+          <a:p>
+            <a:endParaRPr lang="en-US" dirty="0"/>
+          </a:p>
+        </p:txBody>
+      </p:sp>
+    </p:spTree>
+    <p:extLst>
+      <p:ext uri="{BB962C8B-B14F-4D97-AF65-F5344CB8AC3E}">
+        <p14:creationId xmlns:p14="http://schemas.microsoft.com/office/powerpoint/2010/main" val="3990238349"/>
       </p:ext>
     </p:extLst>
   </p:cSld>

--- a/resources/Presentation_EcoLogia.pptx
+++ b/resources/Presentation_EcoLogia.pptx
@@ -4060,7 +4060,7 @@
           <a:p>
             <a:r>
               <a:rPr lang="en-US" dirty="0"/>
-              <a:t>AI Pipeline Diagram (we can design this visually):</a:t>
+              <a:t>AI Pipeline Diagram :</a:t>
             </a:r>
           </a:p>
           <a:p>
@@ -4108,7 +4108,7 @@
             <a:pPr lvl="1"/>
             <a:r>
               <a:rPr lang="en-US" dirty="0"/>
-              <a:t>Sound classification (CNNs, transformers)</a:t>
+              <a:t>Sound classification (open source transformers)</a:t>
             </a:r>
           </a:p>
           <a:p>

--- a/resources/Presentation_EcoLogia.pptx
+++ b/resources/Presentation_EcoLogia.pptx
@@ -5,7 +5,7 @@
     <p:sldMasterId id="2147483648" r:id="rId1"/>
   </p:sldMasterIdLst>
   <p:notesMasterIdLst>
-    <p:notesMasterId r:id="rId17"/>
+    <p:notesMasterId r:id="rId19"/>
   </p:notesMasterIdLst>
   <p:sldIdLst>
     <p:sldId id="257" r:id="rId2"/>
@@ -15,14 +15,16 @@
     <p:sldId id="260" r:id="rId6"/>
     <p:sldId id="265" r:id="rId7"/>
     <p:sldId id="266" r:id="rId8"/>
-    <p:sldId id="262" r:id="rId9"/>
-    <p:sldId id="263" r:id="rId10"/>
-    <p:sldId id="264" r:id="rId11"/>
-    <p:sldId id="267" r:id="rId12"/>
-    <p:sldId id="268" r:id="rId13"/>
-    <p:sldId id="269" r:id="rId14"/>
-    <p:sldId id="270" r:id="rId15"/>
-    <p:sldId id="261" r:id="rId16"/>
+    <p:sldId id="272" r:id="rId9"/>
+    <p:sldId id="262" r:id="rId10"/>
+    <p:sldId id="263" r:id="rId11"/>
+    <p:sldId id="264" r:id="rId12"/>
+    <p:sldId id="271" r:id="rId13"/>
+    <p:sldId id="267" r:id="rId14"/>
+    <p:sldId id="268" r:id="rId15"/>
+    <p:sldId id="269" r:id="rId16"/>
+    <p:sldId id="270" r:id="rId17"/>
+    <p:sldId id="261" r:id="rId18"/>
   </p:sldIdLst>
   <p:sldSz cx="12192000" cy="6858000"/>
   <p:notesSz cx="6858000" cy="9144000"/>
@@ -3803,7 +3805,7 @@
             </a:r>
             <a:r>
               <a:rPr lang="en-US" dirty="0" err="1"/>
-              <a:t>EcoLogia</a:t>
+              <a:t>EchoLogia</a:t>
             </a:r>
             <a:endParaRPr lang="en-US" dirty="0"/>
           </a:p>
@@ -3896,7 +3898,11 @@
           <a:p>
             <a:r>
               <a:rPr lang="en-US" dirty="0"/>
-              <a:t>Challenge: Turn Audio into Intelligence</a:t>
+              <a:t>Challenge: </a:t>
+            </a:r>
+            <a:r>
+              <a:rPr lang="en-US" u="sng" dirty="0"/>
+              <a:t>Turn Audio into Intelligence</a:t>
             </a:r>
           </a:p>
           <a:p>
@@ -4008,6 +4014,175 @@
           <p:cNvPr id="2" name="Title 1">
             <a:extLst>
               <a:ext uri="{FF2B5EF4-FFF2-40B4-BE49-F238E27FC236}">
+                <a16:creationId xmlns:a16="http://schemas.microsoft.com/office/drawing/2014/main" id="{449438E3-CEC2-EE7E-6265-52C78A544218}"/>
+              </a:ext>
+            </a:extLst>
+          </p:cNvPr>
+          <p:cNvSpPr>
+            <a:spLocks noGrp="1"/>
+          </p:cNvSpPr>
+          <p:nvPr>
+            <p:ph type="title"/>
+          </p:nvPr>
+        </p:nvSpPr>
+        <p:spPr/>
+        <p:txBody>
+          <a:bodyPr/>
+          <a:lstStyle/>
+          <a:p>
+            <a:r>
+              <a:rPr lang="en-US" b="1" dirty="0"/>
+              <a:t>The Solution: </a:t>
+            </a:r>
+            <a:r>
+              <a:rPr lang="en-US" b="1" dirty="0" err="1"/>
+              <a:t>EcoLogia</a:t>
+            </a:r>
+            <a:br>
+              <a:rPr lang="en-US" b="1" dirty="0"/>
+            </a:br>
+            <a:endParaRPr lang="en-US" dirty="0"/>
+          </a:p>
+        </p:txBody>
+      </p:sp>
+      <p:sp>
+        <p:nvSpPr>
+          <p:cNvPr id="3" name="Content Placeholder 2">
+            <a:extLst>
+              <a:ext uri="{FF2B5EF4-FFF2-40B4-BE49-F238E27FC236}">
+                <a16:creationId xmlns:a16="http://schemas.microsoft.com/office/drawing/2014/main" id="{D670676F-E567-6B5E-D70C-25D698BDA7BB}"/>
+              </a:ext>
+            </a:extLst>
+          </p:cNvPr>
+          <p:cNvSpPr>
+            <a:spLocks noGrp="1"/>
+          </p:cNvSpPr>
+          <p:nvPr>
+            <p:ph idx="1"/>
+          </p:nvPr>
+        </p:nvSpPr>
+        <p:spPr/>
+        <p:txBody>
+          <a:bodyPr/>
+          <a:lstStyle/>
+          <a:p>
+            <a:r>
+              <a:rPr lang="en-US" dirty="0" err="1"/>
+              <a:t>EcoLogia</a:t>
+            </a:r>
+            <a:r>
+              <a:rPr lang="en-US" dirty="0"/>
+              <a:t> turns intercepted audio into multi-layered intelligence by:</a:t>
+            </a:r>
+          </a:p>
+          <a:p>
+            <a:pPr marL="0" indent="0">
+              <a:buNone/>
+            </a:pPr>
+            <a:r>
+              <a:rPr lang="en-US" dirty="0"/>
+              <a:t>Extracting </a:t>
+            </a:r>
+            <a:r>
+              <a:rPr lang="en-US" b="1" dirty="0"/>
+              <a:t>speech content, emotion, and hierarchy</a:t>
+            </a:r>
+            <a:r>
+              <a:rPr lang="en-US" dirty="0"/>
+              <a:t> of speakers.</a:t>
+            </a:r>
+          </a:p>
+          <a:p>
+            <a:pPr marL="0" indent="0">
+              <a:buNone/>
+            </a:pPr>
+            <a:r>
+              <a:rPr lang="en-US" dirty="0"/>
+              <a:t>Analyzing </a:t>
+            </a:r>
+            <a:r>
+              <a:rPr lang="en-US" b="1" dirty="0"/>
+              <a:t>background sound</a:t>
+            </a:r>
+            <a:r>
+              <a:rPr lang="en-US" dirty="0"/>
+              <a:t> (environment, vehicle, stress cues).</a:t>
+            </a:r>
+          </a:p>
+          <a:p>
+            <a:pPr marL="0" indent="0">
+              <a:buNone/>
+            </a:pPr>
+            <a:r>
+              <a:rPr lang="en-US" dirty="0"/>
+              <a:t>Merging audio with </a:t>
+            </a:r>
+            <a:r>
+              <a:rPr lang="en-US" b="1" dirty="0"/>
+              <a:t>contextual data</a:t>
+            </a:r>
+            <a:r>
+              <a:rPr lang="en-US" dirty="0"/>
+              <a:t> (weather, location, mission metadata).</a:t>
+            </a:r>
+          </a:p>
+          <a:p>
+            <a:pPr marL="0" indent="0">
+              <a:buNone/>
+            </a:pPr>
+            <a:r>
+              <a:rPr lang="en-US" dirty="0"/>
+              <a:t>Producing an </a:t>
+            </a:r>
+            <a:r>
+              <a:rPr lang="en-US" b="1" dirty="0"/>
+              <a:t>executive summary</a:t>
+            </a:r>
+            <a:r>
+              <a:rPr lang="en-US" dirty="0"/>
+              <a:t> for operators and analysts.</a:t>
+            </a:r>
+          </a:p>
+          <a:p>
+            <a:endParaRPr lang="en-US" dirty="0"/>
+          </a:p>
+        </p:txBody>
+      </p:sp>
+    </p:spTree>
+    <p:extLst>
+      <p:ext uri="{BB962C8B-B14F-4D97-AF65-F5344CB8AC3E}">
+        <p14:creationId xmlns:p14="http://schemas.microsoft.com/office/powerpoint/2010/main" val="3990238349"/>
+      </p:ext>
+    </p:extLst>
+  </p:cSld>
+  <p:clrMapOvr>
+    <a:masterClrMapping/>
+  </p:clrMapOvr>
+</p:sld>
+</file>
+
+<file path=ppt/slides/slide11.xml><?xml version="1.0" encoding="utf-8"?>
+<p:sld xmlns:a="http://schemas.openxmlformats.org/drawingml/2006/main" xmlns:r="http://schemas.openxmlformats.org/officeDocument/2006/relationships" xmlns:p="http://schemas.openxmlformats.org/presentationml/2006/main">
+  <p:cSld>
+    <p:spTree>
+      <p:nvGrpSpPr>
+        <p:cNvPr id="1" name=""/>
+        <p:cNvGrpSpPr/>
+        <p:nvPr/>
+      </p:nvGrpSpPr>
+      <p:grpSpPr>
+        <a:xfrm>
+          <a:off x="0" y="0"/>
+          <a:ext cx="0" cy="0"/>
+          <a:chOff x="0" y="0"/>
+          <a:chExt cx="0" cy="0"/>
+        </a:xfrm>
+      </p:grpSpPr>
+      <p:sp>
+        <p:nvSpPr>
+          <p:cNvPr id="2" name="Title 1">
+            <a:extLst>
+              <a:ext uri="{FF2B5EF4-FFF2-40B4-BE49-F238E27FC236}">
                 <a16:creationId xmlns:a16="http://schemas.microsoft.com/office/drawing/2014/main" id="{302BAE76-43D8-15C0-4E73-AF33C22FE588}"/>
               </a:ext>
             </a:extLst>
@@ -4159,7 +4334,97 @@
 </p:sld>
 </file>
 
-<file path=ppt/slides/slide11.xml><?xml version="1.0" encoding="utf-8"?>
+<file path=ppt/slides/slide12.xml><?xml version="1.0" encoding="utf-8"?>
+<p:sld xmlns:a="http://schemas.openxmlformats.org/drawingml/2006/main" xmlns:r="http://schemas.openxmlformats.org/officeDocument/2006/relationships" xmlns:p="http://schemas.openxmlformats.org/presentationml/2006/main">
+  <p:cSld>
+    <p:spTree>
+      <p:nvGrpSpPr>
+        <p:cNvPr id="1" name=""/>
+        <p:cNvGrpSpPr/>
+        <p:nvPr/>
+      </p:nvGrpSpPr>
+      <p:grpSpPr>
+        <a:xfrm>
+          <a:off x="0" y="0"/>
+          <a:ext cx="0" cy="0"/>
+          <a:chOff x="0" y="0"/>
+          <a:chExt cx="0" cy="0"/>
+        </a:xfrm>
+      </p:grpSpPr>
+      <p:sp>
+        <p:nvSpPr>
+          <p:cNvPr id="2" name="Title 1">
+            <a:extLst>
+              <a:ext uri="{FF2B5EF4-FFF2-40B4-BE49-F238E27FC236}">
+                <a16:creationId xmlns:a16="http://schemas.microsoft.com/office/drawing/2014/main" id="{9B1ABA36-D7F6-9EAD-92FB-C04166193ED8}"/>
+              </a:ext>
+            </a:extLst>
+          </p:cNvPr>
+          <p:cNvSpPr>
+            <a:spLocks noGrp="1"/>
+          </p:cNvSpPr>
+          <p:nvPr>
+            <p:ph type="title"/>
+          </p:nvPr>
+        </p:nvSpPr>
+        <p:spPr/>
+        <p:txBody>
+          <a:bodyPr/>
+          <a:lstStyle/>
+          <a:p>
+            <a:endParaRPr lang="en-US"/>
+          </a:p>
+        </p:txBody>
+      </p:sp>
+      <p:pic>
+        <p:nvPicPr>
+          <p:cNvPr id="5" name="Content Placeholder 4">
+            <a:extLst>
+              <a:ext uri="{FF2B5EF4-FFF2-40B4-BE49-F238E27FC236}">
+                <a16:creationId xmlns:a16="http://schemas.microsoft.com/office/drawing/2014/main" id="{9D8D8045-65E9-6996-89B7-AA637FE302FB}"/>
+              </a:ext>
+            </a:extLst>
+          </p:cNvPr>
+          <p:cNvPicPr>
+            <a:picLocks noGrp="1" noChangeAspect="1"/>
+          </p:cNvPicPr>
+          <p:nvPr>
+            <p:ph idx="1"/>
+          </p:nvPr>
+        </p:nvPicPr>
+        <p:blipFill>
+          <a:blip r:embed="rId2">
+            <a:extLst>
+              <a:ext uri="{28A0092B-C50C-407E-A947-70E740481C1C}">
+                <a14:useLocalDpi xmlns:a14="http://schemas.microsoft.com/office/drawing/2010/main" val="0"/>
+              </a:ext>
+            </a:extLst>
+          </a:blip>
+          <a:stretch>
+            <a:fillRect/>
+          </a:stretch>
+        </p:blipFill>
+        <p:spPr>
+          <a:xfrm>
+            <a:off x="1126513" y="39809"/>
+            <a:ext cx="10227287" cy="6818191"/>
+          </a:xfrm>
+        </p:spPr>
+      </p:pic>
+    </p:spTree>
+    <p:extLst>
+      <p:ext uri="{BB962C8B-B14F-4D97-AF65-F5344CB8AC3E}">
+        <p14:creationId xmlns:p14="http://schemas.microsoft.com/office/powerpoint/2010/main" val="97873481"/>
+      </p:ext>
+    </p:extLst>
+  </p:cSld>
+  <p:clrMapOvr>
+    <a:masterClrMapping/>
+  </p:clrMapOvr>
+</p:sld>
+</file>
+
+<file path=ppt/slides/slide13.xml><?xml version="1.0" encoding="utf-8"?>
 <p:sld xmlns:a="http://schemas.openxmlformats.org/drawingml/2006/main" xmlns:r="http://schemas.openxmlformats.org/officeDocument/2006/relationships" xmlns:p="http://schemas.openxmlformats.org/presentationml/2006/main">
   <p:cSld>
     <p:spTree>
@@ -4549,7 +4814,7 @@
 </p:sld>
 </file>
 
-<file path=ppt/slides/slide12.xml><?xml version="1.0" encoding="utf-8"?>
+<file path=ppt/slides/slide14.xml><?xml version="1.0" encoding="utf-8"?>
 <p:sld xmlns:a="http://schemas.openxmlformats.org/drawingml/2006/main" xmlns:r="http://schemas.openxmlformats.org/officeDocument/2006/relationships" xmlns:p="http://schemas.openxmlformats.org/presentationml/2006/main">
   <p:cSld>
     <p:spTree>
@@ -4869,7 +5134,7 @@
 </p:sld>
 </file>
 
-<file path=ppt/slides/slide13.xml><?xml version="1.0" encoding="utf-8"?>
+<file path=ppt/slides/slide15.xml><?xml version="1.0" encoding="utf-8"?>
 <p:sld xmlns:a="http://schemas.openxmlformats.org/drawingml/2006/main" xmlns:r="http://schemas.openxmlformats.org/officeDocument/2006/relationships" xmlns:p="http://schemas.openxmlformats.org/presentationml/2006/main">
   <p:cSld>
     <p:spTree>
@@ -4977,7 +5242,7 @@
 </p:sld>
 </file>
 
-<file path=ppt/slides/slide14.xml><?xml version="1.0" encoding="utf-8"?>
+<file path=ppt/slides/slide16.xml><?xml version="1.0" encoding="utf-8"?>
 <p:sld xmlns:a="http://schemas.openxmlformats.org/drawingml/2006/main" xmlns:r="http://schemas.openxmlformats.org/officeDocument/2006/relationships" xmlns:p="http://schemas.openxmlformats.org/presentationml/2006/main">
   <p:cSld>
     <p:spTree>
@@ -5082,7 +5347,7 @@
 </p:sld>
 </file>
 
-<file path=ppt/slides/slide15.xml><?xml version="1.0" encoding="utf-8"?>
+<file path=ppt/slides/slide17.xml><?xml version="1.0" encoding="utf-8"?>
 <p:sld xmlns:a="http://schemas.openxmlformats.org/drawingml/2006/main" xmlns:r="http://schemas.openxmlformats.org/officeDocument/2006/relationships" xmlns:p="http://schemas.openxmlformats.org/presentationml/2006/main">
   <p:cSld>
     <p:spTree>
@@ -5464,7 +5729,15 @@
             </a:r>
             <a:r>
               <a:rPr lang="en-US" dirty="0"/>
-              <a:t> visualizing your idea (e.g. using Vue or Angular).</a:t>
+              <a:t> visualizing your idea (e.g. </a:t>
+            </a:r>
+            <a:r>
+              <a:rPr lang="en-US" b="1" dirty="0"/>
+              <a:t>using Vue or Angular</a:t>
+            </a:r>
+            <a:r>
+              <a:rPr lang="en-US" dirty="0"/>
+              <a:t>).</a:t>
             </a:r>
           </a:p>
           <a:p>
@@ -6124,7 +6397,7 @@
           <p:cNvPr id="2" name="Title 1">
             <a:extLst>
               <a:ext uri="{FF2B5EF4-FFF2-40B4-BE49-F238E27FC236}">
-                <a16:creationId xmlns:a16="http://schemas.microsoft.com/office/drawing/2014/main" id="{1CBC3B9B-01A0-1FC7-B962-FA84987B6D1E}"/>
+                <a16:creationId xmlns:a16="http://schemas.microsoft.com/office/drawing/2014/main" id="{9A99C288-8A17-F533-94F2-669865AC0EAF}"/>
               </a:ext>
             </a:extLst>
           </p:cNvPr>
@@ -6141,13 +6414,9 @@
           <a:lstStyle/>
           <a:p>
             <a:r>
-              <a:rPr lang="en-US" b="1" dirty="0"/>
-              <a:t>The Problem</a:t>
-            </a:r>
-            <a:br>
-              <a:rPr lang="en-US" b="1" dirty="0"/>
-            </a:br>
-            <a:endParaRPr lang="en-US" dirty="0"/>
+              <a:rPr lang="en-US" dirty="0"/>
+              <a:t>The Team</a:t>
+            </a:r>
           </a:p>
         </p:txBody>
       </p:sp>
@@ -6156,7 +6425,7 @@
           <p:cNvPr id="3" name="Content Placeholder 2">
             <a:extLst>
               <a:ext uri="{FF2B5EF4-FFF2-40B4-BE49-F238E27FC236}">
-                <a16:creationId xmlns:a16="http://schemas.microsoft.com/office/drawing/2014/main" id="{1B84ED11-B831-ABC5-1A86-EE1CF6ACA813}"/>
+                <a16:creationId xmlns:a16="http://schemas.microsoft.com/office/drawing/2014/main" id="{CF5BAC2A-C37B-2D9C-C36A-C5EE56586FD1}"/>
               </a:ext>
             </a:extLst>
           </p:cNvPr>
@@ -6172,78 +6441,17 @@
           <a:bodyPr/>
           <a:lstStyle/>
           <a:p>
-            <a:pPr marL="514350" indent="-514350">
-              <a:buFont typeface="+mj-lt"/>
-              <a:buAutoNum type="arabicPeriod"/>
-            </a:pPr>
-            <a:r>
-              <a:rPr lang="en-US" dirty="0"/>
-              <a:t>Intercepted audio is rich but underutilized.</a:t>
-            </a:r>
-          </a:p>
-          <a:p>
-            <a:pPr marL="514350" indent="-514350">
-              <a:buFont typeface="+mj-lt"/>
-              <a:buAutoNum type="arabicPeriod"/>
-            </a:pPr>
-            <a:r>
-              <a:rPr lang="en-US" dirty="0"/>
-              <a:t>Operators face noise, codewords, and incomplete context.</a:t>
-            </a:r>
-          </a:p>
-          <a:p>
-            <a:pPr marL="514350" indent="-514350">
-              <a:buFont typeface="+mj-lt"/>
-              <a:buAutoNum type="arabicPeriod"/>
-            </a:pPr>
-            <a:r>
-              <a:rPr lang="en-US" dirty="0"/>
-              <a:t>Current SIGINT tools focus on </a:t>
-            </a:r>
-            <a:r>
-              <a:rPr lang="en-US" i="1" dirty="0"/>
-              <a:t>what</a:t>
-            </a:r>
-            <a:r>
-              <a:rPr lang="en-US" dirty="0"/>
-              <a:t> is said, not </a:t>
-            </a:r>
-            <a:r>
-              <a:rPr lang="en-US" i="1" dirty="0"/>
-              <a:t>how</a:t>
-            </a:r>
-            <a:r>
-              <a:rPr lang="en-US" dirty="0"/>
-              <a:t> or </a:t>
-            </a:r>
-            <a:r>
-              <a:rPr lang="en-US" i="1" dirty="0"/>
-              <a:t>where</a:t>
-            </a:r>
-            <a:r>
-              <a:rPr lang="en-US" dirty="0"/>
-              <a:t>.</a:t>
-            </a:r>
-          </a:p>
-          <a:p>
-            <a:pPr marL="514350" indent="-514350">
-              <a:buFont typeface="+mj-lt"/>
-              <a:buAutoNum type="arabicPeriod"/>
-            </a:pPr>
-            <a:r>
-              <a:rPr lang="en-US" dirty="0"/>
-              <a:t>Lack of automation slows tactical decision-making in fast-changing environments.</a:t>
-            </a:r>
-          </a:p>
-          <a:p>
-            <a:endParaRPr lang="en-US" dirty="0"/>
+            <a:r>
+              <a:rPr lang="en-US" dirty="0"/>
+              <a:t>Who are we?</a:t>
+            </a:r>
           </a:p>
         </p:txBody>
       </p:sp>
     </p:spTree>
     <p:extLst>
       <p:ext uri="{BB962C8B-B14F-4D97-AF65-F5344CB8AC3E}">
-        <p14:creationId xmlns:p14="http://schemas.microsoft.com/office/powerpoint/2010/main" val="871966769"/>
+        <p14:creationId xmlns:p14="http://schemas.microsoft.com/office/powerpoint/2010/main" val="3792326013"/>
       </p:ext>
     </p:extLst>
   </p:cSld>
@@ -6275,7 +6483,7 @@
           <p:cNvPr id="2" name="Title 1">
             <a:extLst>
               <a:ext uri="{FF2B5EF4-FFF2-40B4-BE49-F238E27FC236}">
-                <a16:creationId xmlns:a16="http://schemas.microsoft.com/office/drawing/2014/main" id="{449438E3-CEC2-EE7E-6265-52C78A544218}"/>
+                <a16:creationId xmlns:a16="http://schemas.microsoft.com/office/drawing/2014/main" id="{1CBC3B9B-01A0-1FC7-B962-FA84987B6D1E}"/>
               </a:ext>
             </a:extLst>
           </p:cNvPr>
@@ -6293,11 +6501,7 @@
           <a:p>
             <a:r>
               <a:rPr lang="en-US" b="1" dirty="0"/>
-              <a:t>The Solution: </a:t>
-            </a:r>
-            <a:r>
-              <a:rPr lang="en-US" b="1" dirty="0" err="1"/>
-              <a:t>EcoLogia</a:t>
+              <a:t>The Problem</a:t>
             </a:r>
             <a:br>
               <a:rPr lang="en-US" b="1" dirty="0"/>
@@ -6311,7 +6515,7 @@
           <p:cNvPr id="3" name="Content Placeholder 2">
             <a:extLst>
               <a:ext uri="{FF2B5EF4-FFF2-40B4-BE49-F238E27FC236}">
-                <a16:creationId xmlns:a16="http://schemas.microsoft.com/office/drawing/2014/main" id="{D670676F-E567-6B5E-D70C-25D698BDA7BB}"/>
+                <a16:creationId xmlns:a16="http://schemas.microsoft.com/office/drawing/2014/main" id="{1B84ED11-B831-ABC5-1A86-EE1CF6ACA813}"/>
               </a:ext>
             </a:extLst>
           </p:cNvPr>
@@ -6327,81 +6531,67 @@
           <a:bodyPr/>
           <a:lstStyle/>
           <a:p>
-            <a:r>
-              <a:rPr lang="en-US" dirty="0" err="1"/>
-              <a:t>EcoLogia</a:t>
-            </a:r>
-            <a:r>
-              <a:rPr lang="en-US" dirty="0"/>
-              <a:t> turns intercepted audio into multi-layered intelligence by:</a:t>
-            </a:r>
-          </a:p>
-          <a:p>
-            <a:pPr marL="0" indent="0">
-              <a:buNone/>
+            <a:pPr marL="514350" indent="-514350">
+              <a:buFont typeface="+mj-lt"/>
+              <a:buAutoNum type="arabicPeriod"/>
             </a:pPr>
             <a:r>
               <a:rPr lang="en-US" dirty="0"/>
-              <a:t>Extracting </a:t>
-            </a:r>
-            <a:r>
-              <a:rPr lang="en-US" b="1" dirty="0"/>
-              <a:t>speech content, emotion, and hierarchy</a:t>
-            </a:r>
-            <a:r>
-              <a:rPr lang="en-US" dirty="0"/>
-              <a:t> of speakers.</a:t>
-            </a:r>
-          </a:p>
-          <a:p>
-            <a:pPr marL="0" indent="0">
-              <a:buNone/>
+              <a:t>Intercepted audio is rich but underutilized.</a:t>
+            </a:r>
+          </a:p>
+          <a:p>
+            <a:pPr marL="514350" indent="-514350">
+              <a:buFont typeface="+mj-lt"/>
+              <a:buAutoNum type="arabicPeriod"/>
             </a:pPr>
             <a:r>
               <a:rPr lang="en-US" dirty="0"/>
-              <a:t>Analyzing </a:t>
-            </a:r>
-            <a:r>
-              <a:rPr lang="en-US" b="1" dirty="0"/>
-              <a:t>background sound</a:t>
-            </a:r>
-            <a:r>
-              <a:rPr lang="en-US" dirty="0"/>
-              <a:t> (environment, vehicle, stress cues).</a:t>
-            </a:r>
-          </a:p>
-          <a:p>
-            <a:pPr marL="0" indent="0">
-              <a:buNone/>
+              <a:t>Operators face noise, codewords, and incomplete context.</a:t>
+            </a:r>
+          </a:p>
+          <a:p>
+            <a:pPr marL="514350" indent="-514350">
+              <a:buFont typeface="+mj-lt"/>
+              <a:buAutoNum type="arabicPeriod"/>
             </a:pPr>
             <a:r>
               <a:rPr lang="en-US" dirty="0"/>
-              <a:t>Merging audio with </a:t>
-            </a:r>
-            <a:r>
-              <a:rPr lang="en-US" b="1" dirty="0"/>
-              <a:t>contextual data</a:t>
-            </a:r>
-            <a:r>
-              <a:rPr lang="en-US" dirty="0"/>
-              <a:t> (weather, location, mission metadata).</a:t>
-            </a:r>
-          </a:p>
-          <a:p>
-            <a:pPr marL="0" indent="0">
-              <a:buNone/>
+              <a:t>Current SIGINT tools focus on </a:t>
+            </a:r>
+            <a:r>
+              <a:rPr lang="en-US" i="1" dirty="0"/>
+              <a:t>what</a:t>
+            </a:r>
+            <a:r>
+              <a:rPr lang="en-US" dirty="0"/>
+              <a:t> is said, not </a:t>
+            </a:r>
+            <a:r>
+              <a:rPr lang="en-US" i="1" dirty="0"/>
+              <a:t>how</a:t>
+            </a:r>
+            <a:r>
+              <a:rPr lang="en-US" dirty="0"/>
+              <a:t> or </a:t>
+            </a:r>
+            <a:r>
+              <a:rPr lang="en-US" i="1" dirty="0"/>
+              <a:t>where</a:t>
+            </a:r>
+            <a:r>
+              <a:rPr lang="en-US" dirty="0"/>
+              <a:t>.</a:t>
+            </a:r>
+          </a:p>
+          <a:p>
+            <a:pPr marL="514350" indent="-514350">
+              <a:buFont typeface="+mj-lt"/>
+              <a:buAutoNum type="arabicPeriod"/>
             </a:pPr>
             <a:r>
               <a:rPr lang="en-US" dirty="0"/>
-              <a:t>Producing an </a:t>
-            </a:r>
-            <a:r>
-              <a:rPr lang="en-US" b="1" dirty="0"/>
-              <a:t>executive summary</a:t>
-            </a:r>
-            <a:r>
-              <a:rPr lang="en-US" dirty="0"/>
-              <a:t> for operators and analysts.</a:t>
+              <a:t>Lack of automation slows tactical decision-making in fast-changing environments.</a:t>
             </a:r>
           </a:p>
           <a:p>
@@ -6412,7 +6602,7 @@
     </p:spTree>
     <p:extLst>
       <p:ext uri="{BB962C8B-B14F-4D97-AF65-F5344CB8AC3E}">
-        <p14:creationId xmlns:p14="http://schemas.microsoft.com/office/powerpoint/2010/main" val="3990238349"/>
+        <p14:creationId xmlns:p14="http://schemas.microsoft.com/office/powerpoint/2010/main" val="871966769"/>
       </p:ext>
     </p:extLst>
   </p:cSld>
